--- a/09-cvicenie/cvicenie09.pptx
+++ b/09-cvicenie/cvicenie09.pptx
@@ -5,16 +5,17 @@
     <p:sldMasterId id="2147483648" r:id="rId1"/>
   </p:sldMasterIdLst>
   <p:notesMasterIdLst>
-    <p:notesMasterId r:id="rId9"/>
+    <p:notesMasterId r:id="rId10"/>
   </p:notesMasterIdLst>
   <p:sldIdLst>
     <p:sldId id="256" r:id="rId2"/>
-    <p:sldId id="262" r:id="rId3"/>
-    <p:sldId id="258" r:id="rId4"/>
-    <p:sldId id="257" r:id="rId5"/>
-    <p:sldId id="260" r:id="rId6"/>
-    <p:sldId id="261" r:id="rId7"/>
-    <p:sldId id="259" r:id="rId8"/>
+    <p:sldId id="263" r:id="rId3"/>
+    <p:sldId id="262" r:id="rId4"/>
+    <p:sldId id="258" r:id="rId5"/>
+    <p:sldId id="257" r:id="rId6"/>
+    <p:sldId id="260" r:id="rId7"/>
+    <p:sldId id="261" r:id="rId8"/>
+    <p:sldId id="259" r:id="rId9"/>
   </p:sldIdLst>
   <p:sldSz cx="12192000" cy="6858000"/>
   <p:notesSz cx="6858000" cy="9144000"/>
@@ -203,7 +204,7 @@
           <a:p>
             <a:fld id="{872A6A74-2788-B34A-91BB-A4AF3F4F9523}" type="datetimeFigureOut">
               <a:rPr lang="sk-SK" smtClean="0"/>
-              <a:t>15.11.18</a:t>
+              <a:t>19.11.2018</a:t>
             </a:fld>
             <a:endParaRPr lang="sk-SK"/>
           </a:p>
@@ -493,7 +494,7 @@
           <p:cNvPr id="2" name="Title 1">
             <a:extLst>
               <a:ext uri="{FF2B5EF4-FFF2-40B4-BE49-F238E27FC236}">
-                <a16:creationId xmlns:a16="http://schemas.microsoft.com/office/drawing/2014/main" id="{A8BD9380-895B-9647-9BD3-C63B25C6AA11}"/>
+                <a16:creationId xmlns:a16="http://schemas.microsoft.com/office/drawing/2014/main" xmlns="" id="{A8BD9380-895B-9647-9BD3-C63B25C6AA11}"/>
               </a:ext>
             </a:extLst>
           </p:cNvPr>
@@ -531,7 +532,7 @@
           <p:cNvPr id="3" name="Subtitle 2">
             <a:extLst>
               <a:ext uri="{FF2B5EF4-FFF2-40B4-BE49-F238E27FC236}">
-                <a16:creationId xmlns:a16="http://schemas.microsoft.com/office/drawing/2014/main" id="{B970B952-0F74-B449-88DB-2B2BF25A2CB6}"/>
+                <a16:creationId xmlns:a16="http://schemas.microsoft.com/office/drawing/2014/main" xmlns="" id="{B970B952-0F74-B449-88DB-2B2BF25A2CB6}"/>
               </a:ext>
             </a:extLst>
           </p:cNvPr>
@@ -602,7 +603,7 @@
           <p:cNvPr id="4" name="Date Placeholder 3">
             <a:extLst>
               <a:ext uri="{FF2B5EF4-FFF2-40B4-BE49-F238E27FC236}">
-                <a16:creationId xmlns:a16="http://schemas.microsoft.com/office/drawing/2014/main" id="{B2CB9CEE-100C-FF48-AA8A-A4FFBFCC7167}"/>
+                <a16:creationId xmlns:a16="http://schemas.microsoft.com/office/drawing/2014/main" xmlns="" id="{B2CB9CEE-100C-FF48-AA8A-A4FFBFCC7167}"/>
               </a:ext>
             </a:extLst>
           </p:cNvPr>
@@ -620,7 +621,7 @@
           <a:p>
             <a:fld id="{1FBE2C08-0BB8-E84C-876D-46D9639D5D58}" type="datetimeFigureOut">
               <a:rPr lang="sk-SK" smtClean="0"/>
-              <a:t>15.11.18</a:t>
+              <a:t>19.11.2018</a:t>
             </a:fld>
             <a:endParaRPr lang="sk-SK"/>
           </a:p>
@@ -631,7 +632,7 @@
           <p:cNvPr id="5" name="Footer Placeholder 4">
             <a:extLst>
               <a:ext uri="{FF2B5EF4-FFF2-40B4-BE49-F238E27FC236}">
-                <a16:creationId xmlns:a16="http://schemas.microsoft.com/office/drawing/2014/main" id="{7DC12825-6ED7-0444-BF28-0DEAEB6A030E}"/>
+                <a16:creationId xmlns:a16="http://schemas.microsoft.com/office/drawing/2014/main" xmlns="" id="{7DC12825-6ED7-0444-BF28-0DEAEB6A030E}"/>
               </a:ext>
             </a:extLst>
           </p:cNvPr>
@@ -656,7 +657,7 @@
           <p:cNvPr id="6" name="Slide Number Placeholder 5">
             <a:extLst>
               <a:ext uri="{FF2B5EF4-FFF2-40B4-BE49-F238E27FC236}">
-                <a16:creationId xmlns:a16="http://schemas.microsoft.com/office/drawing/2014/main" id="{3AD12983-C11E-9F4B-BBAB-77264DFF899B}"/>
+                <a16:creationId xmlns:a16="http://schemas.microsoft.com/office/drawing/2014/main" xmlns="" id="{3AD12983-C11E-9F4B-BBAB-77264DFF899B}"/>
               </a:ext>
             </a:extLst>
           </p:cNvPr>
@@ -715,7 +716,7 @@
           <p:cNvPr id="2" name="Title 1">
             <a:extLst>
               <a:ext uri="{FF2B5EF4-FFF2-40B4-BE49-F238E27FC236}">
-                <a16:creationId xmlns:a16="http://schemas.microsoft.com/office/drawing/2014/main" id="{95F0065A-9606-EB4C-BFEF-24561243E036}"/>
+                <a16:creationId xmlns:a16="http://schemas.microsoft.com/office/drawing/2014/main" xmlns="" id="{95F0065A-9606-EB4C-BFEF-24561243E036}"/>
               </a:ext>
             </a:extLst>
           </p:cNvPr>
@@ -744,7 +745,7 @@
           <p:cNvPr id="3" name="Vertical Text Placeholder 2">
             <a:extLst>
               <a:ext uri="{FF2B5EF4-FFF2-40B4-BE49-F238E27FC236}">
-                <a16:creationId xmlns:a16="http://schemas.microsoft.com/office/drawing/2014/main" id="{CCB45139-1E6C-1F4D-9BAB-9C9387FE319D}"/>
+                <a16:creationId xmlns:a16="http://schemas.microsoft.com/office/drawing/2014/main" xmlns="" id="{CCB45139-1E6C-1F4D-9BAB-9C9387FE319D}"/>
               </a:ext>
             </a:extLst>
           </p:cNvPr>
@@ -802,7 +803,7 @@
           <p:cNvPr id="4" name="Date Placeholder 3">
             <a:extLst>
               <a:ext uri="{FF2B5EF4-FFF2-40B4-BE49-F238E27FC236}">
-                <a16:creationId xmlns:a16="http://schemas.microsoft.com/office/drawing/2014/main" id="{7F62D229-2B04-2241-96C0-D6357940F55B}"/>
+                <a16:creationId xmlns:a16="http://schemas.microsoft.com/office/drawing/2014/main" xmlns="" id="{7F62D229-2B04-2241-96C0-D6357940F55B}"/>
               </a:ext>
             </a:extLst>
           </p:cNvPr>
@@ -820,7 +821,7 @@
           <a:p>
             <a:fld id="{1FBE2C08-0BB8-E84C-876D-46D9639D5D58}" type="datetimeFigureOut">
               <a:rPr lang="sk-SK" smtClean="0"/>
-              <a:t>15.11.18</a:t>
+              <a:t>19.11.2018</a:t>
             </a:fld>
             <a:endParaRPr lang="sk-SK"/>
           </a:p>
@@ -831,7 +832,7 @@
           <p:cNvPr id="5" name="Footer Placeholder 4">
             <a:extLst>
               <a:ext uri="{FF2B5EF4-FFF2-40B4-BE49-F238E27FC236}">
-                <a16:creationId xmlns:a16="http://schemas.microsoft.com/office/drawing/2014/main" id="{2E9CF826-213C-CA45-9E48-8FB7353B273B}"/>
+                <a16:creationId xmlns:a16="http://schemas.microsoft.com/office/drawing/2014/main" xmlns="" id="{2E9CF826-213C-CA45-9E48-8FB7353B273B}"/>
               </a:ext>
             </a:extLst>
           </p:cNvPr>
@@ -856,7 +857,7 @@
           <p:cNvPr id="6" name="Slide Number Placeholder 5">
             <a:extLst>
               <a:ext uri="{FF2B5EF4-FFF2-40B4-BE49-F238E27FC236}">
-                <a16:creationId xmlns:a16="http://schemas.microsoft.com/office/drawing/2014/main" id="{FEB9D81F-C6E9-2A41-AD37-4ECC318CA1E7}"/>
+                <a16:creationId xmlns:a16="http://schemas.microsoft.com/office/drawing/2014/main" xmlns="" id="{FEB9D81F-C6E9-2A41-AD37-4ECC318CA1E7}"/>
               </a:ext>
             </a:extLst>
           </p:cNvPr>
@@ -915,7 +916,7 @@
           <p:cNvPr id="2" name="Vertical Title 1">
             <a:extLst>
               <a:ext uri="{FF2B5EF4-FFF2-40B4-BE49-F238E27FC236}">
-                <a16:creationId xmlns:a16="http://schemas.microsoft.com/office/drawing/2014/main" id="{C8FA568A-3833-6441-B2B8-EAF1C0C1986D}"/>
+                <a16:creationId xmlns:a16="http://schemas.microsoft.com/office/drawing/2014/main" xmlns="" id="{C8FA568A-3833-6441-B2B8-EAF1C0C1986D}"/>
               </a:ext>
             </a:extLst>
           </p:cNvPr>
@@ -949,7 +950,7 @@
           <p:cNvPr id="3" name="Vertical Text Placeholder 2">
             <a:extLst>
               <a:ext uri="{FF2B5EF4-FFF2-40B4-BE49-F238E27FC236}">
-                <a16:creationId xmlns:a16="http://schemas.microsoft.com/office/drawing/2014/main" id="{C9A07AEF-5B88-264E-A44C-86E75C160D7E}"/>
+                <a16:creationId xmlns:a16="http://schemas.microsoft.com/office/drawing/2014/main" xmlns="" id="{C9A07AEF-5B88-264E-A44C-86E75C160D7E}"/>
               </a:ext>
             </a:extLst>
           </p:cNvPr>
@@ -1012,7 +1013,7 @@
           <p:cNvPr id="4" name="Date Placeholder 3">
             <a:extLst>
               <a:ext uri="{FF2B5EF4-FFF2-40B4-BE49-F238E27FC236}">
-                <a16:creationId xmlns:a16="http://schemas.microsoft.com/office/drawing/2014/main" id="{A9915028-0BDF-3E49-A9BB-CEAF06885341}"/>
+                <a16:creationId xmlns:a16="http://schemas.microsoft.com/office/drawing/2014/main" xmlns="" id="{A9915028-0BDF-3E49-A9BB-CEAF06885341}"/>
               </a:ext>
             </a:extLst>
           </p:cNvPr>
@@ -1030,7 +1031,7 @@
           <a:p>
             <a:fld id="{1FBE2C08-0BB8-E84C-876D-46D9639D5D58}" type="datetimeFigureOut">
               <a:rPr lang="sk-SK" smtClean="0"/>
-              <a:t>15.11.18</a:t>
+              <a:t>19.11.2018</a:t>
             </a:fld>
             <a:endParaRPr lang="sk-SK"/>
           </a:p>
@@ -1041,7 +1042,7 @@
           <p:cNvPr id="5" name="Footer Placeholder 4">
             <a:extLst>
               <a:ext uri="{FF2B5EF4-FFF2-40B4-BE49-F238E27FC236}">
-                <a16:creationId xmlns:a16="http://schemas.microsoft.com/office/drawing/2014/main" id="{10E52EB6-B0C9-A74E-9858-4AC06A8D4973}"/>
+                <a16:creationId xmlns:a16="http://schemas.microsoft.com/office/drawing/2014/main" xmlns="" id="{10E52EB6-B0C9-A74E-9858-4AC06A8D4973}"/>
               </a:ext>
             </a:extLst>
           </p:cNvPr>
@@ -1066,7 +1067,7 @@
           <p:cNvPr id="6" name="Slide Number Placeholder 5">
             <a:extLst>
               <a:ext uri="{FF2B5EF4-FFF2-40B4-BE49-F238E27FC236}">
-                <a16:creationId xmlns:a16="http://schemas.microsoft.com/office/drawing/2014/main" id="{AF2AAED8-5661-9544-BB07-53B5AF1D7368}"/>
+                <a16:creationId xmlns:a16="http://schemas.microsoft.com/office/drawing/2014/main" xmlns="" id="{AF2AAED8-5661-9544-BB07-53B5AF1D7368}"/>
               </a:ext>
             </a:extLst>
           </p:cNvPr>
@@ -1125,7 +1126,7 @@
           <p:cNvPr id="2" name="Title 1">
             <a:extLst>
               <a:ext uri="{FF2B5EF4-FFF2-40B4-BE49-F238E27FC236}">
-                <a16:creationId xmlns:a16="http://schemas.microsoft.com/office/drawing/2014/main" id="{79E9F23C-534D-234F-B4F8-241BF3D5B214}"/>
+                <a16:creationId xmlns:a16="http://schemas.microsoft.com/office/drawing/2014/main" xmlns="" id="{79E9F23C-534D-234F-B4F8-241BF3D5B214}"/>
               </a:ext>
             </a:extLst>
           </p:cNvPr>
@@ -1154,7 +1155,7 @@
           <p:cNvPr id="3" name="Content Placeholder 2">
             <a:extLst>
               <a:ext uri="{FF2B5EF4-FFF2-40B4-BE49-F238E27FC236}">
-                <a16:creationId xmlns:a16="http://schemas.microsoft.com/office/drawing/2014/main" id="{622BCC1D-1F7F-F34F-BEC5-B52E165A29E3}"/>
+                <a16:creationId xmlns:a16="http://schemas.microsoft.com/office/drawing/2014/main" xmlns="" id="{622BCC1D-1F7F-F34F-BEC5-B52E165A29E3}"/>
               </a:ext>
             </a:extLst>
           </p:cNvPr>
@@ -1212,7 +1213,7 @@
           <p:cNvPr id="4" name="Date Placeholder 3">
             <a:extLst>
               <a:ext uri="{FF2B5EF4-FFF2-40B4-BE49-F238E27FC236}">
-                <a16:creationId xmlns:a16="http://schemas.microsoft.com/office/drawing/2014/main" id="{793EF229-5CB7-B54F-923E-F6B55021111D}"/>
+                <a16:creationId xmlns:a16="http://schemas.microsoft.com/office/drawing/2014/main" xmlns="" id="{793EF229-5CB7-B54F-923E-F6B55021111D}"/>
               </a:ext>
             </a:extLst>
           </p:cNvPr>
@@ -1230,7 +1231,7 @@
           <a:p>
             <a:fld id="{1FBE2C08-0BB8-E84C-876D-46D9639D5D58}" type="datetimeFigureOut">
               <a:rPr lang="sk-SK" smtClean="0"/>
-              <a:t>15.11.18</a:t>
+              <a:t>19.11.2018</a:t>
             </a:fld>
             <a:endParaRPr lang="sk-SK"/>
           </a:p>
@@ -1241,7 +1242,7 @@
           <p:cNvPr id="5" name="Footer Placeholder 4">
             <a:extLst>
               <a:ext uri="{FF2B5EF4-FFF2-40B4-BE49-F238E27FC236}">
-                <a16:creationId xmlns:a16="http://schemas.microsoft.com/office/drawing/2014/main" id="{1AECBF02-28B9-5443-9E2A-513D7F61468F}"/>
+                <a16:creationId xmlns:a16="http://schemas.microsoft.com/office/drawing/2014/main" xmlns="" id="{1AECBF02-28B9-5443-9E2A-513D7F61468F}"/>
               </a:ext>
             </a:extLst>
           </p:cNvPr>
@@ -1266,7 +1267,7 @@
           <p:cNvPr id="6" name="Slide Number Placeholder 5">
             <a:extLst>
               <a:ext uri="{FF2B5EF4-FFF2-40B4-BE49-F238E27FC236}">
-                <a16:creationId xmlns:a16="http://schemas.microsoft.com/office/drawing/2014/main" id="{CA3339D5-4655-2F4C-9DE6-87A01ED44742}"/>
+                <a16:creationId xmlns:a16="http://schemas.microsoft.com/office/drawing/2014/main" xmlns="" id="{CA3339D5-4655-2F4C-9DE6-87A01ED44742}"/>
               </a:ext>
             </a:extLst>
           </p:cNvPr>
@@ -1325,7 +1326,7 @@
           <p:cNvPr id="2" name="Title 1">
             <a:extLst>
               <a:ext uri="{FF2B5EF4-FFF2-40B4-BE49-F238E27FC236}">
-                <a16:creationId xmlns:a16="http://schemas.microsoft.com/office/drawing/2014/main" id="{A392ABCC-5766-894F-8054-0C313408936D}"/>
+                <a16:creationId xmlns:a16="http://schemas.microsoft.com/office/drawing/2014/main" xmlns="" id="{A392ABCC-5766-894F-8054-0C313408936D}"/>
               </a:ext>
             </a:extLst>
           </p:cNvPr>
@@ -1363,7 +1364,7 @@
           <p:cNvPr id="3" name="Text Placeholder 2">
             <a:extLst>
               <a:ext uri="{FF2B5EF4-FFF2-40B4-BE49-F238E27FC236}">
-                <a16:creationId xmlns:a16="http://schemas.microsoft.com/office/drawing/2014/main" id="{26F0FE23-BB40-8847-9C60-31B69191C6F1}"/>
+                <a16:creationId xmlns:a16="http://schemas.microsoft.com/office/drawing/2014/main" xmlns="" id="{26F0FE23-BB40-8847-9C60-31B69191C6F1}"/>
               </a:ext>
             </a:extLst>
           </p:cNvPr>
@@ -1488,7 +1489,7 @@
           <p:cNvPr id="4" name="Date Placeholder 3">
             <a:extLst>
               <a:ext uri="{FF2B5EF4-FFF2-40B4-BE49-F238E27FC236}">
-                <a16:creationId xmlns:a16="http://schemas.microsoft.com/office/drawing/2014/main" id="{BD518254-C601-6340-B1AA-D5FF34773F9C}"/>
+                <a16:creationId xmlns:a16="http://schemas.microsoft.com/office/drawing/2014/main" xmlns="" id="{BD518254-C601-6340-B1AA-D5FF34773F9C}"/>
               </a:ext>
             </a:extLst>
           </p:cNvPr>
@@ -1506,7 +1507,7 @@
           <a:p>
             <a:fld id="{1FBE2C08-0BB8-E84C-876D-46D9639D5D58}" type="datetimeFigureOut">
               <a:rPr lang="sk-SK" smtClean="0"/>
-              <a:t>15.11.18</a:t>
+              <a:t>19.11.2018</a:t>
             </a:fld>
             <a:endParaRPr lang="sk-SK"/>
           </a:p>
@@ -1517,7 +1518,7 @@
           <p:cNvPr id="5" name="Footer Placeholder 4">
             <a:extLst>
               <a:ext uri="{FF2B5EF4-FFF2-40B4-BE49-F238E27FC236}">
-                <a16:creationId xmlns:a16="http://schemas.microsoft.com/office/drawing/2014/main" id="{93067EED-8898-FE4E-8EFF-6931CCFDF9F4}"/>
+                <a16:creationId xmlns:a16="http://schemas.microsoft.com/office/drawing/2014/main" xmlns="" id="{93067EED-8898-FE4E-8EFF-6931CCFDF9F4}"/>
               </a:ext>
             </a:extLst>
           </p:cNvPr>
@@ -1542,7 +1543,7 @@
           <p:cNvPr id="6" name="Slide Number Placeholder 5">
             <a:extLst>
               <a:ext uri="{FF2B5EF4-FFF2-40B4-BE49-F238E27FC236}">
-                <a16:creationId xmlns:a16="http://schemas.microsoft.com/office/drawing/2014/main" id="{95E26E33-67F4-2F4D-9D2A-A16349DA6735}"/>
+                <a16:creationId xmlns:a16="http://schemas.microsoft.com/office/drawing/2014/main" xmlns="" id="{95E26E33-67F4-2F4D-9D2A-A16349DA6735}"/>
               </a:ext>
             </a:extLst>
           </p:cNvPr>
@@ -1601,7 +1602,7 @@
           <p:cNvPr id="2" name="Title 1">
             <a:extLst>
               <a:ext uri="{FF2B5EF4-FFF2-40B4-BE49-F238E27FC236}">
-                <a16:creationId xmlns:a16="http://schemas.microsoft.com/office/drawing/2014/main" id="{5CF26B5C-15DB-3B4D-847A-2EFB77C69C8B}"/>
+                <a16:creationId xmlns:a16="http://schemas.microsoft.com/office/drawing/2014/main" xmlns="" id="{5CF26B5C-15DB-3B4D-847A-2EFB77C69C8B}"/>
               </a:ext>
             </a:extLst>
           </p:cNvPr>
@@ -1630,7 +1631,7 @@
           <p:cNvPr id="3" name="Content Placeholder 2">
             <a:extLst>
               <a:ext uri="{FF2B5EF4-FFF2-40B4-BE49-F238E27FC236}">
-                <a16:creationId xmlns:a16="http://schemas.microsoft.com/office/drawing/2014/main" id="{B0C45586-C308-FD4C-B20F-062383303405}"/>
+                <a16:creationId xmlns:a16="http://schemas.microsoft.com/office/drawing/2014/main" xmlns="" id="{B0C45586-C308-FD4C-B20F-062383303405}"/>
               </a:ext>
             </a:extLst>
           </p:cNvPr>
@@ -1693,7 +1694,7 @@
           <p:cNvPr id="4" name="Content Placeholder 3">
             <a:extLst>
               <a:ext uri="{FF2B5EF4-FFF2-40B4-BE49-F238E27FC236}">
-                <a16:creationId xmlns:a16="http://schemas.microsoft.com/office/drawing/2014/main" id="{AAE72505-B2B6-B74D-83F2-5AA594BC7C0E}"/>
+                <a16:creationId xmlns:a16="http://schemas.microsoft.com/office/drawing/2014/main" xmlns="" id="{AAE72505-B2B6-B74D-83F2-5AA594BC7C0E}"/>
               </a:ext>
             </a:extLst>
           </p:cNvPr>
@@ -1756,7 +1757,7 @@
           <p:cNvPr id="5" name="Date Placeholder 4">
             <a:extLst>
               <a:ext uri="{FF2B5EF4-FFF2-40B4-BE49-F238E27FC236}">
-                <a16:creationId xmlns:a16="http://schemas.microsoft.com/office/drawing/2014/main" id="{8F6757C2-009E-5546-8D7B-88FDBAD8A735}"/>
+                <a16:creationId xmlns:a16="http://schemas.microsoft.com/office/drawing/2014/main" xmlns="" id="{8F6757C2-009E-5546-8D7B-88FDBAD8A735}"/>
               </a:ext>
             </a:extLst>
           </p:cNvPr>
@@ -1774,7 +1775,7 @@
           <a:p>
             <a:fld id="{1FBE2C08-0BB8-E84C-876D-46D9639D5D58}" type="datetimeFigureOut">
               <a:rPr lang="sk-SK" smtClean="0"/>
-              <a:t>15.11.18</a:t>
+              <a:t>19.11.2018</a:t>
             </a:fld>
             <a:endParaRPr lang="sk-SK"/>
           </a:p>
@@ -1785,7 +1786,7 @@
           <p:cNvPr id="6" name="Footer Placeholder 5">
             <a:extLst>
               <a:ext uri="{FF2B5EF4-FFF2-40B4-BE49-F238E27FC236}">
-                <a16:creationId xmlns:a16="http://schemas.microsoft.com/office/drawing/2014/main" id="{E4EDF91B-9C37-DC4B-9D06-D7597E37B7E2}"/>
+                <a16:creationId xmlns:a16="http://schemas.microsoft.com/office/drawing/2014/main" xmlns="" id="{E4EDF91B-9C37-DC4B-9D06-D7597E37B7E2}"/>
               </a:ext>
             </a:extLst>
           </p:cNvPr>
@@ -1810,7 +1811,7 @@
           <p:cNvPr id="7" name="Slide Number Placeholder 6">
             <a:extLst>
               <a:ext uri="{FF2B5EF4-FFF2-40B4-BE49-F238E27FC236}">
-                <a16:creationId xmlns:a16="http://schemas.microsoft.com/office/drawing/2014/main" id="{B56C9627-D6DC-F14C-8FA5-A095003DC83F}"/>
+                <a16:creationId xmlns:a16="http://schemas.microsoft.com/office/drawing/2014/main" xmlns="" id="{B56C9627-D6DC-F14C-8FA5-A095003DC83F}"/>
               </a:ext>
             </a:extLst>
           </p:cNvPr>
@@ -1869,7 +1870,7 @@
           <p:cNvPr id="2" name="Title 1">
             <a:extLst>
               <a:ext uri="{FF2B5EF4-FFF2-40B4-BE49-F238E27FC236}">
-                <a16:creationId xmlns:a16="http://schemas.microsoft.com/office/drawing/2014/main" id="{E5F3327B-F1EB-D248-BDD3-EAD9083F7410}"/>
+                <a16:creationId xmlns:a16="http://schemas.microsoft.com/office/drawing/2014/main" xmlns="" id="{E5F3327B-F1EB-D248-BDD3-EAD9083F7410}"/>
               </a:ext>
             </a:extLst>
           </p:cNvPr>
@@ -1903,7 +1904,7 @@
           <p:cNvPr id="3" name="Text Placeholder 2">
             <a:extLst>
               <a:ext uri="{FF2B5EF4-FFF2-40B4-BE49-F238E27FC236}">
-                <a16:creationId xmlns:a16="http://schemas.microsoft.com/office/drawing/2014/main" id="{CE5ABD22-5B17-244A-995C-75CF01D8DE69}"/>
+                <a16:creationId xmlns:a16="http://schemas.microsoft.com/office/drawing/2014/main" xmlns="" id="{CE5ABD22-5B17-244A-995C-75CF01D8DE69}"/>
               </a:ext>
             </a:extLst>
           </p:cNvPr>
@@ -1974,7 +1975,7 @@
           <p:cNvPr id="4" name="Content Placeholder 3">
             <a:extLst>
               <a:ext uri="{FF2B5EF4-FFF2-40B4-BE49-F238E27FC236}">
-                <a16:creationId xmlns:a16="http://schemas.microsoft.com/office/drawing/2014/main" id="{4A6B3C42-156E-7047-9857-1DBF7BEFE8AE}"/>
+                <a16:creationId xmlns:a16="http://schemas.microsoft.com/office/drawing/2014/main" xmlns="" id="{4A6B3C42-156E-7047-9857-1DBF7BEFE8AE}"/>
               </a:ext>
             </a:extLst>
           </p:cNvPr>
@@ -2037,7 +2038,7 @@
           <p:cNvPr id="5" name="Text Placeholder 4">
             <a:extLst>
               <a:ext uri="{FF2B5EF4-FFF2-40B4-BE49-F238E27FC236}">
-                <a16:creationId xmlns:a16="http://schemas.microsoft.com/office/drawing/2014/main" id="{EECF4E8E-BE2E-8D4B-9C64-841D3A382D1B}"/>
+                <a16:creationId xmlns:a16="http://schemas.microsoft.com/office/drawing/2014/main" xmlns="" id="{EECF4E8E-BE2E-8D4B-9C64-841D3A382D1B}"/>
               </a:ext>
             </a:extLst>
           </p:cNvPr>
@@ -2108,7 +2109,7 @@
           <p:cNvPr id="6" name="Content Placeholder 5">
             <a:extLst>
               <a:ext uri="{FF2B5EF4-FFF2-40B4-BE49-F238E27FC236}">
-                <a16:creationId xmlns:a16="http://schemas.microsoft.com/office/drawing/2014/main" id="{E59ED7D4-7F62-BF43-9EC6-E5F51C0638CC}"/>
+                <a16:creationId xmlns:a16="http://schemas.microsoft.com/office/drawing/2014/main" xmlns="" id="{E59ED7D4-7F62-BF43-9EC6-E5F51C0638CC}"/>
               </a:ext>
             </a:extLst>
           </p:cNvPr>
@@ -2171,7 +2172,7 @@
           <p:cNvPr id="7" name="Date Placeholder 6">
             <a:extLst>
               <a:ext uri="{FF2B5EF4-FFF2-40B4-BE49-F238E27FC236}">
-                <a16:creationId xmlns:a16="http://schemas.microsoft.com/office/drawing/2014/main" id="{C79E8096-F4BB-7042-90DB-E40AC478E2FF}"/>
+                <a16:creationId xmlns:a16="http://schemas.microsoft.com/office/drawing/2014/main" xmlns="" id="{C79E8096-F4BB-7042-90DB-E40AC478E2FF}"/>
               </a:ext>
             </a:extLst>
           </p:cNvPr>
@@ -2189,7 +2190,7 @@
           <a:p>
             <a:fld id="{1FBE2C08-0BB8-E84C-876D-46D9639D5D58}" type="datetimeFigureOut">
               <a:rPr lang="sk-SK" smtClean="0"/>
-              <a:t>15.11.18</a:t>
+              <a:t>19.11.2018</a:t>
             </a:fld>
             <a:endParaRPr lang="sk-SK"/>
           </a:p>
@@ -2200,7 +2201,7 @@
           <p:cNvPr id="8" name="Footer Placeholder 7">
             <a:extLst>
               <a:ext uri="{FF2B5EF4-FFF2-40B4-BE49-F238E27FC236}">
-                <a16:creationId xmlns:a16="http://schemas.microsoft.com/office/drawing/2014/main" id="{843371F1-E263-7846-981F-20E6D76EFB36}"/>
+                <a16:creationId xmlns:a16="http://schemas.microsoft.com/office/drawing/2014/main" xmlns="" id="{843371F1-E263-7846-981F-20E6D76EFB36}"/>
               </a:ext>
             </a:extLst>
           </p:cNvPr>
@@ -2225,7 +2226,7 @@
           <p:cNvPr id="9" name="Slide Number Placeholder 8">
             <a:extLst>
               <a:ext uri="{FF2B5EF4-FFF2-40B4-BE49-F238E27FC236}">
-                <a16:creationId xmlns:a16="http://schemas.microsoft.com/office/drawing/2014/main" id="{12AC45C5-3093-954D-82FB-90FDE248ED13}"/>
+                <a16:creationId xmlns:a16="http://schemas.microsoft.com/office/drawing/2014/main" xmlns="" id="{12AC45C5-3093-954D-82FB-90FDE248ED13}"/>
               </a:ext>
             </a:extLst>
           </p:cNvPr>
@@ -2284,7 +2285,7 @@
           <p:cNvPr id="2" name="Title 1">
             <a:extLst>
               <a:ext uri="{FF2B5EF4-FFF2-40B4-BE49-F238E27FC236}">
-                <a16:creationId xmlns:a16="http://schemas.microsoft.com/office/drawing/2014/main" id="{D1263F8F-B6A9-A543-84E8-63FC4CED894B}"/>
+                <a16:creationId xmlns:a16="http://schemas.microsoft.com/office/drawing/2014/main" xmlns="" id="{D1263F8F-B6A9-A543-84E8-63FC4CED894B}"/>
               </a:ext>
             </a:extLst>
           </p:cNvPr>
@@ -2313,7 +2314,7 @@
           <p:cNvPr id="3" name="Date Placeholder 2">
             <a:extLst>
               <a:ext uri="{FF2B5EF4-FFF2-40B4-BE49-F238E27FC236}">
-                <a16:creationId xmlns:a16="http://schemas.microsoft.com/office/drawing/2014/main" id="{702566ED-4CB9-AE41-9DCD-8B02B820400E}"/>
+                <a16:creationId xmlns:a16="http://schemas.microsoft.com/office/drawing/2014/main" xmlns="" id="{702566ED-4CB9-AE41-9DCD-8B02B820400E}"/>
               </a:ext>
             </a:extLst>
           </p:cNvPr>
@@ -2331,7 +2332,7 @@
           <a:p>
             <a:fld id="{1FBE2C08-0BB8-E84C-876D-46D9639D5D58}" type="datetimeFigureOut">
               <a:rPr lang="sk-SK" smtClean="0"/>
-              <a:t>15.11.18</a:t>
+              <a:t>19.11.2018</a:t>
             </a:fld>
             <a:endParaRPr lang="sk-SK"/>
           </a:p>
@@ -2342,7 +2343,7 @@
           <p:cNvPr id="4" name="Footer Placeholder 3">
             <a:extLst>
               <a:ext uri="{FF2B5EF4-FFF2-40B4-BE49-F238E27FC236}">
-                <a16:creationId xmlns:a16="http://schemas.microsoft.com/office/drawing/2014/main" id="{8061290F-6666-E347-B99D-7445AD220184}"/>
+                <a16:creationId xmlns:a16="http://schemas.microsoft.com/office/drawing/2014/main" xmlns="" id="{8061290F-6666-E347-B99D-7445AD220184}"/>
               </a:ext>
             </a:extLst>
           </p:cNvPr>
@@ -2367,7 +2368,7 @@
           <p:cNvPr id="5" name="Slide Number Placeholder 4">
             <a:extLst>
               <a:ext uri="{FF2B5EF4-FFF2-40B4-BE49-F238E27FC236}">
-                <a16:creationId xmlns:a16="http://schemas.microsoft.com/office/drawing/2014/main" id="{7B970161-FBF7-CC4B-9766-2F6494CFDF1D}"/>
+                <a16:creationId xmlns:a16="http://schemas.microsoft.com/office/drawing/2014/main" xmlns="" id="{7B970161-FBF7-CC4B-9766-2F6494CFDF1D}"/>
               </a:ext>
             </a:extLst>
           </p:cNvPr>
@@ -2426,7 +2427,7 @@
           <p:cNvPr id="2" name="Date Placeholder 1">
             <a:extLst>
               <a:ext uri="{FF2B5EF4-FFF2-40B4-BE49-F238E27FC236}">
-                <a16:creationId xmlns:a16="http://schemas.microsoft.com/office/drawing/2014/main" id="{B25166C2-CD08-FB46-9190-3C3BF9F9A740}"/>
+                <a16:creationId xmlns:a16="http://schemas.microsoft.com/office/drawing/2014/main" xmlns="" id="{B25166C2-CD08-FB46-9190-3C3BF9F9A740}"/>
               </a:ext>
             </a:extLst>
           </p:cNvPr>
@@ -2444,7 +2445,7 @@
           <a:p>
             <a:fld id="{1FBE2C08-0BB8-E84C-876D-46D9639D5D58}" type="datetimeFigureOut">
               <a:rPr lang="sk-SK" smtClean="0"/>
-              <a:t>15.11.18</a:t>
+              <a:t>19.11.2018</a:t>
             </a:fld>
             <a:endParaRPr lang="sk-SK"/>
           </a:p>
@@ -2455,7 +2456,7 @@
           <p:cNvPr id="3" name="Footer Placeholder 2">
             <a:extLst>
               <a:ext uri="{FF2B5EF4-FFF2-40B4-BE49-F238E27FC236}">
-                <a16:creationId xmlns:a16="http://schemas.microsoft.com/office/drawing/2014/main" id="{9A9078E2-BA4C-E04D-9B88-FBE6A99CE04A}"/>
+                <a16:creationId xmlns:a16="http://schemas.microsoft.com/office/drawing/2014/main" xmlns="" id="{9A9078E2-BA4C-E04D-9B88-FBE6A99CE04A}"/>
               </a:ext>
             </a:extLst>
           </p:cNvPr>
@@ -2480,7 +2481,7 @@
           <p:cNvPr id="4" name="Slide Number Placeholder 3">
             <a:extLst>
               <a:ext uri="{FF2B5EF4-FFF2-40B4-BE49-F238E27FC236}">
-                <a16:creationId xmlns:a16="http://schemas.microsoft.com/office/drawing/2014/main" id="{73F76773-0CA0-0E40-8005-194677AD92F6}"/>
+                <a16:creationId xmlns:a16="http://schemas.microsoft.com/office/drawing/2014/main" xmlns="" id="{73F76773-0CA0-0E40-8005-194677AD92F6}"/>
               </a:ext>
             </a:extLst>
           </p:cNvPr>
@@ -2539,7 +2540,7 @@
           <p:cNvPr id="2" name="Title 1">
             <a:extLst>
               <a:ext uri="{FF2B5EF4-FFF2-40B4-BE49-F238E27FC236}">
-                <a16:creationId xmlns:a16="http://schemas.microsoft.com/office/drawing/2014/main" id="{EF0C28A8-47A8-F148-AE96-FF33EE4AFBDD}"/>
+                <a16:creationId xmlns:a16="http://schemas.microsoft.com/office/drawing/2014/main" xmlns="" id="{EF0C28A8-47A8-F148-AE96-FF33EE4AFBDD}"/>
               </a:ext>
             </a:extLst>
           </p:cNvPr>
@@ -2577,7 +2578,7 @@
           <p:cNvPr id="3" name="Content Placeholder 2">
             <a:extLst>
               <a:ext uri="{FF2B5EF4-FFF2-40B4-BE49-F238E27FC236}">
-                <a16:creationId xmlns:a16="http://schemas.microsoft.com/office/drawing/2014/main" id="{0F8F5976-82F2-9147-8A23-2E1BB6A85D55}"/>
+                <a16:creationId xmlns:a16="http://schemas.microsoft.com/office/drawing/2014/main" xmlns="" id="{0F8F5976-82F2-9147-8A23-2E1BB6A85D55}"/>
               </a:ext>
             </a:extLst>
           </p:cNvPr>
@@ -2668,7 +2669,7 @@
           <p:cNvPr id="4" name="Text Placeholder 3">
             <a:extLst>
               <a:ext uri="{FF2B5EF4-FFF2-40B4-BE49-F238E27FC236}">
-                <a16:creationId xmlns:a16="http://schemas.microsoft.com/office/drawing/2014/main" id="{82CE4030-1340-3C44-AC49-9226404ABDB2}"/>
+                <a16:creationId xmlns:a16="http://schemas.microsoft.com/office/drawing/2014/main" xmlns="" id="{82CE4030-1340-3C44-AC49-9226404ABDB2}"/>
               </a:ext>
             </a:extLst>
           </p:cNvPr>
@@ -2739,7 +2740,7 @@
           <p:cNvPr id="5" name="Date Placeholder 4">
             <a:extLst>
               <a:ext uri="{FF2B5EF4-FFF2-40B4-BE49-F238E27FC236}">
-                <a16:creationId xmlns:a16="http://schemas.microsoft.com/office/drawing/2014/main" id="{8CC712DF-0A8D-3B46-91B5-FDD9BE51B8F9}"/>
+                <a16:creationId xmlns:a16="http://schemas.microsoft.com/office/drawing/2014/main" xmlns="" id="{8CC712DF-0A8D-3B46-91B5-FDD9BE51B8F9}"/>
               </a:ext>
             </a:extLst>
           </p:cNvPr>
@@ -2757,7 +2758,7 @@
           <a:p>
             <a:fld id="{1FBE2C08-0BB8-E84C-876D-46D9639D5D58}" type="datetimeFigureOut">
               <a:rPr lang="sk-SK" smtClean="0"/>
-              <a:t>15.11.18</a:t>
+              <a:t>19.11.2018</a:t>
             </a:fld>
             <a:endParaRPr lang="sk-SK"/>
           </a:p>
@@ -2768,7 +2769,7 @@
           <p:cNvPr id="6" name="Footer Placeholder 5">
             <a:extLst>
               <a:ext uri="{FF2B5EF4-FFF2-40B4-BE49-F238E27FC236}">
-                <a16:creationId xmlns:a16="http://schemas.microsoft.com/office/drawing/2014/main" id="{2081E78E-7F95-1743-AEF8-EDF01260049F}"/>
+                <a16:creationId xmlns:a16="http://schemas.microsoft.com/office/drawing/2014/main" xmlns="" id="{2081E78E-7F95-1743-AEF8-EDF01260049F}"/>
               </a:ext>
             </a:extLst>
           </p:cNvPr>
@@ -2793,7 +2794,7 @@
           <p:cNvPr id="7" name="Slide Number Placeholder 6">
             <a:extLst>
               <a:ext uri="{FF2B5EF4-FFF2-40B4-BE49-F238E27FC236}">
-                <a16:creationId xmlns:a16="http://schemas.microsoft.com/office/drawing/2014/main" id="{44C2F203-0575-DD40-AB10-4FA1C862C749}"/>
+                <a16:creationId xmlns:a16="http://schemas.microsoft.com/office/drawing/2014/main" xmlns="" id="{44C2F203-0575-DD40-AB10-4FA1C862C749}"/>
               </a:ext>
             </a:extLst>
           </p:cNvPr>
@@ -2852,7 +2853,7 @@
           <p:cNvPr id="2" name="Title 1">
             <a:extLst>
               <a:ext uri="{FF2B5EF4-FFF2-40B4-BE49-F238E27FC236}">
-                <a16:creationId xmlns:a16="http://schemas.microsoft.com/office/drawing/2014/main" id="{CD4D72C6-9DB9-1345-A3DC-605287855B06}"/>
+                <a16:creationId xmlns:a16="http://schemas.microsoft.com/office/drawing/2014/main" xmlns="" id="{CD4D72C6-9DB9-1345-A3DC-605287855B06}"/>
               </a:ext>
             </a:extLst>
           </p:cNvPr>
@@ -2890,7 +2891,7 @@
           <p:cNvPr id="3" name="Picture Placeholder 2">
             <a:extLst>
               <a:ext uri="{FF2B5EF4-FFF2-40B4-BE49-F238E27FC236}">
-                <a16:creationId xmlns:a16="http://schemas.microsoft.com/office/drawing/2014/main" id="{F097BE24-5AA5-484A-8E49-EFD9CE2F4605}"/>
+                <a16:creationId xmlns:a16="http://schemas.microsoft.com/office/drawing/2014/main" xmlns="" id="{F097BE24-5AA5-484A-8E49-EFD9CE2F4605}"/>
               </a:ext>
             </a:extLst>
           </p:cNvPr>
@@ -2957,7 +2958,7 @@
           <p:cNvPr id="4" name="Text Placeholder 3">
             <a:extLst>
               <a:ext uri="{FF2B5EF4-FFF2-40B4-BE49-F238E27FC236}">
-                <a16:creationId xmlns:a16="http://schemas.microsoft.com/office/drawing/2014/main" id="{433E6C4C-F5EC-6248-A495-A720BD4200C2}"/>
+                <a16:creationId xmlns:a16="http://schemas.microsoft.com/office/drawing/2014/main" xmlns="" id="{433E6C4C-F5EC-6248-A495-A720BD4200C2}"/>
               </a:ext>
             </a:extLst>
           </p:cNvPr>
@@ -3028,7 +3029,7 @@
           <p:cNvPr id="5" name="Date Placeholder 4">
             <a:extLst>
               <a:ext uri="{FF2B5EF4-FFF2-40B4-BE49-F238E27FC236}">
-                <a16:creationId xmlns:a16="http://schemas.microsoft.com/office/drawing/2014/main" id="{7DDA419D-75C7-A349-B3C4-B564E3B34553}"/>
+                <a16:creationId xmlns:a16="http://schemas.microsoft.com/office/drawing/2014/main" xmlns="" id="{7DDA419D-75C7-A349-B3C4-B564E3B34553}"/>
               </a:ext>
             </a:extLst>
           </p:cNvPr>
@@ -3046,7 +3047,7 @@
           <a:p>
             <a:fld id="{1FBE2C08-0BB8-E84C-876D-46D9639D5D58}" type="datetimeFigureOut">
               <a:rPr lang="sk-SK" smtClean="0"/>
-              <a:t>15.11.18</a:t>
+              <a:t>19.11.2018</a:t>
             </a:fld>
             <a:endParaRPr lang="sk-SK"/>
           </a:p>
@@ -3057,7 +3058,7 @@
           <p:cNvPr id="6" name="Footer Placeholder 5">
             <a:extLst>
               <a:ext uri="{FF2B5EF4-FFF2-40B4-BE49-F238E27FC236}">
-                <a16:creationId xmlns:a16="http://schemas.microsoft.com/office/drawing/2014/main" id="{8FF54FC4-4CBE-0146-8071-7FD180E035A0}"/>
+                <a16:creationId xmlns:a16="http://schemas.microsoft.com/office/drawing/2014/main" xmlns="" id="{8FF54FC4-4CBE-0146-8071-7FD180E035A0}"/>
               </a:ext>
             </a:extLst>
           </p:cNvPr>
@@ -3082,7 +3083,7 @@
           <p:cNvPr id="7" name="Slide Number Placeholder 6">
             <a:extLst>
               <a:ext uri="{FF2B5EF4-FFF2-40B4-BE49-F238E27FC236}">
-                <a16:creationId xmlns:a16="http://schemas.microsoft.com/office/drawing/2014/main" id="{26EF496C-334D-DA4B-A806-C3EB4A0DAC27}"/>
+                <a16:creationId xmlns:a16="http://schemas.microsoft.com/office/drawing/2014/main" xmlns="" id="{26EF496C-334D-DA4B-A806-C3EB4A0DAC27}"/>
               </a:ext>
             </a:extLst>
           </p:cNvPr>
@@ -3146,7 +3147,7 @@
           <p:cNvPr id="2" name="Title Placeholder 1">
             <a:extLst>
               <a:ext uri="{FF2B5EF4-FFF2-40B4-BE49-F238E27FC236}">
-                <a16:creationId xmlns:a16="http://schemas.microsoft.com/office/drawing/2014/main" id="{60575AC7-4958-BE41-A827-739239C04C6D}"/>
+                <a16:creationId xmlns:a16="http://schemas.microsoft.com/office/drawing/2014/main" xmlns="" id="{60575AC7-4958-BE41-A827-739239C04C6D}"/>
               </a:ext>
             </a:extLst>
           </p:cNvPr>
@@ -3185,7 +3186,7 @@
           <p:cNvPr id="3" name="Text Placeholder 2">
             <a:extLst>
               <a:ext uri="{FF2B5EF4-FFF2-40B4-BE49-F238E27FC236}">
-                <a16:creationId xmlns:a16="http://schemas.microsoft.com/office/drawing/2014/main" id="{07C4432B-9E8B-3647-97AE-B500E5492914}"/>
+                <a16:creationId xmlns:a16="http://schemas.microsoft.com/office/drawing/2014/main" xmlns="" id="{07C4432B-9E8B-3647-97AE-B500E5492914}"/>
               </a:ext>
             </a:extLst>
           </p:cNvPr>
@@ -3253,7 +3254,7 @@
           <p:cNvPr id="4" name="Date Placeholder 3">
             <a:extLst>
               <a:ext uri="{FF2B5EF4-FFF2-40B4-BE49-F238E27FC236}">
-                <a16:creationId xmlns:a16="http://schemas.microsoft.com/office/drawing/2014/main" id="{7E65E286-9E43-6C43-9AFD-7CB5EA8B5A8E}"/>
+                <a16:creationId xmlns:a16="http://schemas.microsoft.com/office/drawing/2014/main" xmlns="" id="{7E65E286-9E43-6C43-9AFD-7CB5EA8B5A8E}"/>
               </a:ext>
             </a:extLst>
           </p:cNvPr>
@@ -3289,7 +3290,7 @@
           <a:p>
             <a:fld id="{1FBE2C08-0BB8-E84C-876D-46D9639D5D58}" type="datetimeFigureOut">
               <a:rPr lang="sk-SK" smtClean="0"/>
-              <a:t>15.11.18</a:t>
+              <a:t>19.11.2018</a:t>
             </a:fld>
             <a:endParaRPr lang="sk-SK"/>
           </a:p>
@@ -3300,7 +3301,7 @@
           <p:cNvPr id="5" name="Footer Placeholder 4">
             <a:extLst>
               <a:ext uri="{FF2B5EF4-FFF2-40B4-BE49-F238E27FC236}">
-                <a16:creationId xmlns:a16="http://schemas.microsoft.com/office/drawing/2014/main" id="{7AD26FDD-670F-9241-8B2F-61CDEAC7EA7B}"/>
+                <a16:creationId xmlns:a16="http://schemas.microsoft.com/office/drawing/2014/main" xmlns="" id="{7AD26FDD-670F-9241-8B2F-61CDEAC7EA7B}"/>
               </a:ext>
             </a:extLst>
           </p:cNvPr>
@@ -3343,7 +3344,7 @@
           <p:cNvPr id="6" name="Slide Number Placeholder 5">
             <a:extLst>
               <a:ext uri="{FF2B5EF4-FFF2-40B4-BE49-F238E27FC236}">
-                <a16:creationId xmlns:a16="http://schemas.microsoft.com/office/drawing/2014/main" id="{53AE3014-4EC0-354B-A77B-614366BCE359}"/>
+                <a16:creationId xmlns:a16="http://schemas.microsoft.com/office/drawing/2014/main" xmlns="" id="{53AE3014-4EC0-354B-A77B-614366BCE359}"/>
               </a:ext>
             </a:extLst>
           </p:cNvPr>
@@ -3711,7 +3712,7 @@
           <p:cNvPr id="2" name="Title 1">
             <a:extLst>
               <a:ext uri="{FF2B5EF4-FFF2-40B4-BE49-F238E27FC236}">
-                <a16:creationId xmlns:a16="http://schemas.microsoft.com/office/drawing/2014/main" id="{5BEF77BD-DE06-2C41-903F-87B4F94DDD32}"/>
+                <a16:creationId xmlns:a16="http://schemas.microsoft.com/office/drawing/2014/main" xmlns="" id="{5BEF77BD-DE06-2C41-903F-87B4F94DDD32}"/>
               </a:ext>
             </a:extLst>
           </p:cNvPr>
@@ -3743,7 +3744,7 @@
           <p:cNvPr id="3" name="Subtitle 2">
             <a:extLst>
               <a:ext uri="{FF2B5EF4-FFF2-40B4-BE49-F238E27FC236}">
-                <a16:creationId xmlns:a16="http://schemas.microsoft.com/office/drawing/2014/main" id="{E57159EA-BD06-4F48-A5E2-CD82609F63E4}"/>
+                <a16:creationId xmlns:a16="http://schemas.microsoft.com/office/drawing/2014/main" xmlns="" id="{E57159EA-BD06-4F48-A5E2-CD82609F63E4}"/>
               </a:ext>
             </a:extLst>
           </p:cNvPr>
@@ -3807,13 +3808,7 @@
       </p:grpSpPr>
       <p:sp>
         <p:nvSpPr>
-          <p:cNvPr id="2" name="Title 1">
-            <a:extLst>
-              <a:ext uri="{FF2B5EF4-FFF2-40B4-BE49-F238E27FC236}">
-                <a16:creationId xmlns:a16="http://schemas.microsoft.com/office/drawing/2014/main" id="{70ED518A-20EE-D54D-B637-317602A71A7E}"/>
-              </a:ext>
-            </a:extLst>
-          </p:cNvPr>
+          <p:cNvPr id="2" name="Title 1"/>
           <p:cNvSpPr>
             <a:spLocks noGrp="1"/>
           </p:cNvSpPr>
@@ -3827,92 +3822,120 @@
           <a:lstStyle/>
           <a:p>
             <a:r>
-              <a:rPr lang="sk-SK" dirty="0"/>
-              <a:t>Program</a:t>
-            </a:r>
-          </a:p>
-        </p:txBody>
-      </p:sp>
-      <p:sp>
-        <p:nvSpPr>
-          <p:cNvPr id="3" name="Content Placeholder 2">
-            <a:extLst>
-              <a:ext uri="{FF2B5EF4-FFF2-40B4-BE49-F238E27FC236}">
-                <a16:creationId xmlns:a16="http://schemas.microsoft.com/office/drawing/2014/main" id="{585F355A-FBF9-7B4F-8305-3B4C35E5F557}"/>
-              </a:ext>
-            </a:extLst>
-          </p:cNvPr>
-          <p:cNvSpPr>
-            <a:spLocks noGrp="1"/>
-          </p:cNvSpPr>
-          <p:nvPr>
-            <p:ph sz="half" idx="1"/>
+              <a:rPr lang="sk-SK" dirty="0" smtClean="0"/>
+              <a:t>príprava </a:t>
+            </a:r>
+            <a:r>
+              <a:rPr lang="en-US" dirty="0" smtClean="0"/>
+              <a:t>node project</a:t>
+            </a:r>
+            <a:r>
+              <a:rPr lang="sk-SK" dirty="0" smtClean="0"/>
+              <a:t>-u na cviko</a:t>
+            </a:r>
+            <a:endParaRPr lang="sk-SK" dirty="0"/>
+          </a:p>
+        </p:txBody>
+      </p:sp>
+      <p:sp>
+        <p:nvSpPr>
+          <p:cNvPr id="3" name="Content Placeholder 2"/>
+          <p:cNvSpPr>
+            <a:spLocks noGrp="1"/>
+          </p:cNvSpPr>
+          <p:nvPr>
+            <p:ph idx="1"/>
           </p:nvPr>
         </p:nvSpPr>
         <p:spPr/>
         <p:txBody>
           <a:bodyPr>
-            <a:normAutofit/>
+            <a:normAutofit lnSpcReduction="10000"/>
           </a:bodyPr>
           <a:lstStyle/>
           <a:p>
+            <a:r>
+              <a:rPr lang="en-US" dirty="0" smtClean="0"/>
+              <a:t>RECAP: mal</a:t>
+            </a:r>
+            <a:r>
+              <a:rPr lang="sk-SK" dirty="0" smtClean="0"/>
+              <a:t>i</a:t>
+            </a:r>
+            <a:r>
+              <a:rPr lang="en-US" dirty="0" smtClean="0"/>
+              <a:t> by </a:t>
+            </a:r>
+            <a:r>
+              <a:rPr lang="en-US" dirty="0" err="1" smtClean="0"/>
+              <a:t>ste</a:t>
+            </a:r>
+            <a:r>
+              <a:rPr lang="en-US" dirty="0" smtClean="0"/>
+              <a:t> </a:t>
+            </a:r>
+            <a:r>
+              <a:rPr lang="sk-SK" dirty="0" smtClean="0"/>
+              <a:t>už vedieť načo slúžia:</a:t>
+            </a:r>
+            <a:endParaRPr lang="en-US" dirty="0" smtClean="0"/>
+          </a:p>
+          <a:p>
             <a:pPr marL="0" indent="0">
               <a:buNone/>
             </a:pPr>
-            <a:r>
-              <a:rPr lang="sk-SK" dirty="0"/>
-              <a:t>Čo cvičíme:</a:t>
-            </a:r>
-          </a:p>
-          <a:p>
-            <a:r>
-              <a:rPr lang="sk-SK" dirty="0"/>
-              <a:t>ako si vybrať </a:t>
+            <a:endParaRPr lang="en-US" dirty="0" smtClean="0"/>
+          </a:p>
+          <a:p>
+            <a:pPr marL="0" indent="0">
+              <a:buNone/>
+            </a:pPr>
+            <a:r>
+              <a:rPr lang="sk-SK" dirty="0"/>
+              <a:t>cd cvicenia/09-cvicenie</a:t>
+            </a:r>
+          </a:p>
+          <a:p>
+            <a:pPr marL="0" indent="0">
+              <a:buNone/>
+            </a:pPr>
+            <a:r>
+              <a:rPr lang="sk-SK" dirty="0"/>
+              <a:t>npm init -y</a:t>
+            </a:r>
+          </a:p>
+          <a:p>
+            <a:pPr marL="0" indent="0">
+              <a:buNone/>
+            </a:pPr>
+            <a:r>
+              <a:rPr lang="sk-SK" dirty="0"/>
+              <a:t>npm install --</a:t>
             </a:r>
             <a:r>
               <a:rPr lang="sk-SK" b="1" dirty="0"/>
-              <a:t>vhodný </a:t>
-            </a:r>
-            <a:r>
-              <a:rPr lang="sk-SK" b="1" dirty="0" err="1"/>
-              <a:t>async</a:t>
+              <a:t>save</a:t>
+            </a:r>
+            <a:r>
+              <a:rPr lang="sk-SK" dirty="0"/>
+              <a:t> async</a:t>
+            </a:r>
+          </a:p>
+          <a:p>
+            <a:pPr marL="0" indent="0">
+              <a:buNone/>
+            </a:pPr>
+            <a:r>
+              <a:rPr lang="sk-SK" dirty="0"/>
+              <a:t>npm install --</a:t>
             </a:r>
             <a:r>
               <a:rPr lang="sk-SK" b="1" dirty="0"/>
-              <a:t> </a:t>
-            </a:r>
-            <a:r>
-              <a:rPr lang="sk-SK" b="1" dirty="0" err="1"/>
-              <a:t>pattern</a:t>
-            </a:r>
-            <a:r>
-              <a:rPr lang="sk-SK" dirty="0"/>
-              <a:t> na riešenie rôznych úloh</a:t>
-            </a:r>
-          </a:p>
-          <a:p>
-            <a:r>
-              <a:rPr lang="sk-SK" dirty="0"/>
-              <a:t>kombinovanie </a:t>
-            </a:r>
-            <a:r>
-              <a:rPr lang="sk-SK" dirty="0" err="1"/>
-              <a:t>patternov</a:t>
-            </a:r>
-            <a:endParaRPr lang="sk-SK" dirty="0"/>
-          </a:p>
-          <a:p>
-            <a:r>
-              <a:rPr lang="sk-SK" dirty="0"/>
-              <a:t>pekné </a:t>
-            </a:r>
-            <a:r>
-              <a:rPr lang="sk-SK" b="1" i="1" dirty="0" err="1"/>
-              <a:t>funkcionálne</a:t>
-            </a:r>
-            <a:r>
-              <a:rPr lang="sk-SK" b="1" i="1" dirty="0"/>
-              <a:t> konštrukcie</a:t>
+              <a:t>save-dev</a:t>
+            </a:r>
+            <a:r>
+              <a:rPr lang="sk-SK" dirty="0"/>
+              <a:t> mocha</a:t>
             </a:r>
           </a:p>
           <a:p>
@@ -3926,151 +3949,18 @@
               <a:buNone/>
             </a:pPr>
             <a:r>
-              <a:rPr lang="sk-SK" dirty="0"/>
-              <a:t>Ako </a:t>
-            </a:r>
-            <a:r>
-              <a:rPr lang="sk-SK" dirty="0" err="1"/>
-              <a:t>side</a:t>
-            </a:r>
-            <a:r>
-              <a:rPr lang="sk-SK" dirty="0"/>
-              <a:t> </a:t>
-            </a:r>
-            <a:r>
-              <a:rPr lang="sk-SK" dirty="0" err="1"/>
-              <a:t>effect</a:t>
-            </a:r>
-            <a:r>
-              <a:rPr lang="sk-SK" dirty="0"/>
-              <a:t>:</a:t>
-            </a:r>
-          </a:p>
-          <a:p>
-            <a:r>
-              <a:rPr lang="sk-SK" dirty="0"/>
-              <a:t>používanie ďalších </a:t>
-            </a:r>
-            <a:r>
-              <a:rPr lang="sk-SK" dirty="0" err="1"/>
-              <a:t>node</a:t>
-            </a:r>
-            <a:r>
-              <a:rPr lang="sk-SK" dirty="0"/>
-              <a:t> </a:t>
-            </a:r>
-            <a:r>
-              <a:rPr lang="sk-SK" dirty="0" err="1"/>
-              <a:t>APIs</a:t>
-            </a:r>
-            <a:endParaRPr lang="sk-SK" dirty="0"/>
+              <a:rPr lang="sk-SK" dirty="0" smtClean="0"/>
+              <a:t>edit package json</a:t>
+            </a:r>
           </a:p>
           <a:p>
             <a:pPr marL="0" indent="0">
               <a:buNone/>
             </a:pPr>
-            <a:endParaRPr lang="sk-SK" dirty="0"/>
-          </a:p>
-          <a:p>
-            <a:pPr marL="0" indent="0">
-              <a:buNone/>
-            </a:pPr>
-            <a:endParaRPr lang="sk-SK" dirty="0"/>
-          </a:p>
-          <a:p>
-            <a:endParaRPr lang="sk-SK" dirty="0"/>
-          </a:p>
-          <a:p>
-            <a:endParaRPr lang="sk-SK" dirty="0"/>
-          </a:p>
-          <a:p>
-            <a:endParaRPr lang="sk-SK" dirty="0"/>
-          </a:p>
-          <a:p>
-            <a:endParaRPr lang="sk-SK" dirty="0"/>
-          </a:p>
-        </p:txBody>
-      </p:sp>
-      <p:sp>
-        <p:nvSpPr>
-          <p:cNvPr id="5" name="Content Placeholder 4">
-            <a:extLst>
-              <a:ext uri="{FF2B5EF4-FFF2-40B4-BE49-F238E27FC236}">
-                <a16:creationId xmlns:a16="http://schemas.microsoft.com/office/drawing/2014/main" id="{BA713CDE-BF98-1E41-A129-599FECF5CA3C}"/>
-              </a:ext>
-            </a:extLst>
-          </p:cNvPr>
-          <p:cNvSpPr>
-            <a:spLocks noGrp="1"/>
-          </p:cNvSpPr>
-          <p:nvPr>
-            <p:ph sz="half" idx="2"/>
-          </p:nvPr>
-        </p:nvSpPr>
-        <p:spPr/>
-        <p:txBody>
-          <a:bodyPr/>
-          <a:lstStyle/>
-          <a:p>
-            <a:r>
-              <a:rPr lang="sk-SK" dirty="0"/>
-              <a:t>Body: 6b + 2b</a:t>
-            </a:r>
-          </a:p>
-          <a:p>
-            <a:r>
-              <a:rPr lang="sk-SK" dirty="0" err="1"/>
-              <a:t>writeTempFile</a:t>
-            </a:r>
-            <a:r>
-              <a:rPr lang="sk-SK" dirty="0"/>
-              <a:t> 1b</a:t>
-            </a:r>
-          </a:p>
-          <a:p>
-            <a:r>
-              <a:rPr lang="sk-SK" dirty="0" err="1"/>
-              <a:t>saveSomewhere</a:t>
-            </a:r>
-            <a:r>
-              <a:rPr lang="sk-SK" dirty="0"/>
-              <a:t> 1b</a:t>
-            </a:r>
-          </a:p>
-          <a:p>
-            <a:r>
-              <a:rPr lang="sk-SK" dirty="0" err="1"/>
-              <a:t>findInFiles</a:t>
-            </a:r>
-            <a:r>
-              <a:rPr lang="sk-SK" dirty="0"/>
-              <a:t> 2b</a:t>
-            </a:r>
-          </a:p>
-          <a:p>
-            <a:r>
-              <a:rPr lang="sk-SK" dirty="0" err="1"/>
-              <a:t>sonarSearch</a:t>
-            </a:r>
-            <a:r>
-              <a:rPr lang="sk-SK" dirty="0"/>
-              <a:t> 2b</a:t>
-            </a:r>
-          </a:p>
-          <a:p>
-            <a:endParaRPr lang="sk-SK" dirty="0"/>
-          </a:p>
-          <a:p>
-            <a:r>
-              <a:rPr lang="sk-SK" dirty="0" err="1"/>
-              <a:t>bonusova</a:t>
-            </a:r>
-            <a:r>
-              <a:rPr lang="sk-SK" dirty="0"/>
-              <a:t> DU – 2b</a:t>
-            </a:r>
-          </a:p>
-          <a:p>
+            <a:r>
+              <a:rPr lang="sk-SK" dirty="0" smtClean="0"/>
+              <a:t>npm test</a:t>
+            </a:r>
             <a:endParaRPr lang="sk-SK" dirty="0"/>
           </a:p>
         </p:txBody>
@@ -4078,7 +3968,7 @@
     </p:spTree>
     <p:extLst>
       <p:ext uri="{BB962C8B-B14F-4D97-AF65-F5344CB8AC3E}">
-        <p14:creationId xmlns:p14="http://schemas.microsoft.com/office/powerpoint/2010/main" val="4033705860"/>
+        <p14:creationId xmlns:p14="http://schemas.microsoft.com/office/powerpoint/2010/main" val="1140193408"/>
       </p:ext>
     </p:extLst>
   </p:cSld>
@@ -4110,7 +4000,7 @@
           <p:cNvPr id="2" name="Title 1">
             <a:extLst>
               <a:ext uri="{FF2B5EF4-FFF2-40B4-BE49-F238E27FC236}">
-                <a16:creationId xmlns:a16="http://schemas.microsoft.com/office/drawing/2014/main" id="{39632F1B-EA00-B743-B4A9-32B85F830B0B}"/>
+                <a16:creationId xmlns:a16="http://schemas.microsoft.com/office/drawing/2014/main" xmlns="" id="{70ED518A-20EE-D54D-B637-317602A71A7E}"/>
               </a:ext>
             </a:extLst>
           </p:cNvPr>
@@ -4123,190 +4013,317 @@
         </p:nvSpPr>
         <p:spPr/>
         <p:txBody>
+          <a:bodyPr/>
+          <a:lstStyle/>
+          <a:p>
+            <a:r>
+              <a:rPr lang="sk-SK" dirty="0"/>
+              <a:t>Program</a:t>
+            </a:r>
+          </a:p>
+        </p:txBody>
+      </p:sp>
+      <p:sp>
+        <p:nvSpPr>
+          <p:cNvPr id="3" name="Content Placeholder 2">
+            <a:extLst>
+              <a:ext uri="{FF2B5EF4-FFF2-40B4-BE49-F238E27FC236}">
+                <a16:creationId xmlns:a16="http://schemas.microsoft.com/office/drawing/2014/main" xmlns="" id="{585F355A-FBF9-7B4F-8305-3B4C35E5F557}"/>
+              </a:ext>
+            </a:extLst>
+          </p:cNvPr>
+          <p:cNvSpPr>
+            <a:spLocks noGrp="1"/>
+          </p:cNvSpPr>
+          <p:nvPr>
+            <p:ph sz="half" idx="1"/>
+          </p:nvPr>
+        </p:nvSpPr>
+        <p:spPr/>
+        <p:txBody>
           <a:bodyPr>
-            <a:normAutofit fontScale="90000"/>
+            <a:normAutofit fontScale="92500" lnSpcReduction="10000"/>
           </a:bodyPr>
           <a:lstStyle/>
           <a:p>
+            <a:pPr marL="0" indent="0">
+              <a:buNone/>
+            </a:pPr>
+            <a:r>
+              <a:rPr lang="sk-SK" dirty="0"/>
+              <a:t>Čo cvičíme:</a:t>
+            </a:r>
+          </a:p>
+          <a:p>
+            <a:r>
+              <a:rPr lang="sk-SK" dirty="0"/>
+              <a:t>ako si vybrať </a:t>
+            </a:r>
+            <a:r>
+              <a:rPr lang="sk-SK" b="1" dirty="0"/>
+              <a:t>vhodný </a:t>
+            </a:r>
+            <a:r>
+              <a:rPr lang="sk-SK" b="1" dirty="0" err="1"/>
+              <a:t>async</a:t>
+            </a:r>
+            <a:r>
+              <a:rPr lang="sk-SK" b="1" dirty="0"/>
+              <a:t> </a:t>
+            </a:r>
+            <a:r>
+              <a:rPr lang="sk-SK" b="1" dirty="0" err="1"/>
+              <a:t>pattern</a:t>
+            </a:r>
+            <a:r>
+              <a:rPr lang="sk-SK" dirty="0"/>
+              <a:t> na riešenie rôznych úloh</a:t>
+            </a:r>
+          </a:p>
+          <a:p>
+            <a:r>
+              <a:rPr lang="sk-SK" dirty="0"/>
+              <a:t>kombinovanie </a:t>
+            </a:r>
             <a:r>
               <a:rPr lang="sk-SK" dirty="0" err="1"/>
-              <a:t>writeTempFile</a:t>
+              <a:t>patternov</a:t>
+            </a:r>
+            <a:endParaRPr lang="sk-SK" dirty="0"/>
+          </a:p>
+          <a:p>
+            <a:r>
+              <a:rPr lang="sk-SK" dirty="0"/>
+              <a:t>pekné </a:t>
+            </a:r>
+            <a:r>
+              <a:rPr lang="sk-SK" b="1" i="1" dirty="0" err="1"/>
+              <a:t>funkcionálne</a:t>
+            </a:r>
+            <a:r>
+              <a:rPr lang="sk-SK" b="1" i="1" dirty="0"/>
+              <a:t> konštrukcie</a:t>
+            </a:r>
+          </a:p>
+          <a:p>
+            <a:pPr marL="0" indent="0">
+              <a:buNone/>
+            </a:pPr>
+            <a:endParaRPr lang="sk-SK" dirty="0"/>
+          </a:p>
+          <a:p>
+            <a:pPr marL="0" indent="0">
+              <a:buNone/>
+            </a:pPr>
+            <a:r>
+              <a:rPr lang="sk-SK" dirty="0"/>
+              <a:t>Ako </a:t>
+            </a:r>
+            <a:r>
+              <a:rPr lang="sk-SK" dirty="0" err="1"/>
+              <a:t>side</a:t>
+            </a:r>
+            <a:r>
+              <a:rPr lang="sk-SK" dirty="0"/>
+              <a:t> </a:t>
+            </a:r>
+            <a:r>
+              <a:rPr lang="sk-SK" dirty="0" err="1"/>
+              <a:t>effect</a:t>
+            </a:r>
+            <a:r>
+              <a:rPr lang="sk-SK" dirty="0"/>
+              <a:t>:</a:t>
+            </a:r>
+          </a:p>
+          <a:p>
+            <a:r>
+              <a:rPr lang="sk-SK" dirty="0"/>
+              <a:t>používanie ďalších </a:t>
+            </a:r>
+            <a:r>
+              <a:rPr lang="sk-SK" dirty="0" err="1"/>
+              <a:t>node</a:t>
+            </a:r>
+            <a:r>
+              <a:rPr lang="sk-SK" dirty="0"/>
+              <a:t> </a:t>
+            </a:r>
+            <a:r>
+              <a:rPr lang="sk-SK" dirty="0" err="1"/>
+              <a:t>APIs</a:t>
+            </a:r>
+            <a:endParaRPr lang="sk-SK" dirty="0"/>
+          </a:p>
+          <a:p>
+            <a:pPr marL="0" indent="0">
+              <a:buNone/>
+            </a:pPr>
+            <a:endParaRPr lang="sk-SK" dirty="0"/>
+          </a:p>
+          <a:p>
+            <a:pPr marL="0" indent="0">
+              <a:buNone/>
+            </a:pPr>
+            <a:endParaRPr lang="sk-SK" dirty="0"/>
+          </a:p>
+          <a:p>
+            <a:endParaRPr lang="sk-SK" dirty="0"/>
+          </a:p>
+          <a:p>
+            <a:endParaRPr lang="sk-SK" dirty="0"/>
+          </a:p>
+          <a:p>
+            <a:endParaRPr lang="sk-SK" dirty="0"/>
+          </a:p>
+          <a:p>
+            <a:endParaRPr lang="sk-SK" dirty="0"/>
+          </a:p>
+        </p:txBody>
+      </p:sp>
+      <p:sp>
+        <p:nvSpPr>
+          <p:cNvPr id="5" name="Content Placeholder 4">
+            <a:extLst>
+              <a:ext uri="{FF2B5EF4-FFF2-40B4-BE49-F238E27FC236}">
+                <a16:creationId xmlns:a16="http://schemas.microsoft.com/office/drawing/2014/main" xmlns="" id="{BA713CDE-BF98-1E41-A129-599FECF5CA3C}"/>
+              </a:ext>
+            </a:extLst>
+          </p:cNvPr>
+          <p:cNvSpPr>
+            <a:spLocks noGrp="1"/>
+          </p:cNvSpPr>
+          <p:nvPr>
+            <p:ph sz="half" idx="2"/>
+          </p:nvPr>
+        </p:nvSpPr>
+        <p:spPr/>
+        <p:txBody>
+          <a:bodyPr>
+            <a:normAutofit fontScale="92500" lnSpcReduction="10000"/>
+          </a:bodyPr>
+          <a:lstStyle/>
+          <a:p>
+            <a:r>
+              <a:rPr lang="sk-SK" dirty="0"/>
+              <a:t>Body: </a:t>
+            </a:r>
+            <a:r>
+              <a:rPr lang="en-US" b="1" dirty="0" smtClean="0"/>
+              <a:t>6</a:t>
+            </a:r>
+            <a:r>
+              <a:rPr lang="sk-SK" b="1" dirty="0" smtClean="0"/>
+              <a:t>b</a:t>
+            </a:r>
+            <a:r>
+              <a:rPr lang="sk-SK" dirty="0" smtClean="0"/>
+              <a:t> </a:t>
+            </a:r>
+            <a:r>
+              <a:rPr lang="sk-SK" dirty="0"/>
+              <a:t>+ 2b</a:t>
+            </a:r>
+          </a:p>
+          <a:p>
+            <a:r>
+              <a:rPr lang="sk-SK" dirty="0"/>
+              <a:t>writeTempFile </a:t>
+            </a:r>
+            <a:r>
+              <a:rPr lang="en-US" dirty="0"/>
+              <a:t>1</a:t>
+            </a:r>
+            <a:r>
+              <a:rPr lang="sk-SK" dirty="0" smtClean="0"/>
+              <a:t>b</a:t>
+            </a:r>
+            <a:endParaRPr lang="sk-SK" dirty="0"/>
+          </a:p>
+          <a:p>
+            <a:r>
+              <a:rPr lang="sk-SK" dirty="0" err="1"/>
+              <a:t>saveSomewhere</a:t>
+            </a:r>
+            <a:r>
+              <a:rPr lang="sk-SK" dirty="0"/>
+              <a:t> 1b</a:t>
+            </a:r>
+          </a:p>
+          <a:p>
+            <a:r>
+              <a:rPr lang="sk-SK" dirty="0"/>
+              <a:t>findInFiles </a:t>
+            </a:r>
+            <a:r>
+              <a:rPr lang="en-US" dirty="0" smtClean="0"/>
+              <a:t>2</a:t>
+            </a:r>
+            <a:r>
+              <a:rPr lang="sk-SK" dirty="0" smtClean="0"/>
+              <a:t>b</a:t>
+            </a:r>
+            <a:endParaRPr lang="sk-SK" dirty="0"/>
+          </a:p>
+          <a:p>
+            <a:r>
+              <a:rPr lang="sk-SK" dirty="0" smtClean="0"/>
+              <a:t>sonar</a:t>
+            </a:r>
+            <a:r>
+              <a:rPr lang="en-US" dirty="0" smtClean="0"/>
+              <a:t>Rules </a:t>
+            </a:r>
+            <a:r>
+              <a:rPr lang="sk-SK" dirty="0" smtClean="0"/>
+              <a:t>2b</a:t>
+            </a:r>
+          </a:p>
+          <a:p>
+            <a:endParaRPr lang="sk-SK" dirty="0"/>
+          </a:p>
+          <a:p>
+            <a:r>
+              <a:rPr lang="sk-SK" dirty="0" smtClean="0"/>
+              <a:t>bonusova DU </a:t>
+            </a:r>
+            <a:r>
+              <a:rPr lang="sk-SK" dirty="0"/>
+              <a:t>– </a:t>
+            </a:r>
+            <a:r>
+              <a:rPr lang="sk-SK" dirty="0" smtClean="0"/>
+              <a:t>2b</a:t>
+            </a:r>
+          </a:p>
+          <a:p>
+            <a:endParaRPr lang="sk-SK" dirty="0"/>
+          </a:p>
+          <a:p>
+            <a:r>
+              <a:rPr lang="en-US" b="1" dirty="0" smtClean="0"/>
+              <a:t>V</a:t>
             </a:r>
             <a:r>
               <a:rPr lang="sk-SK" b="1" dirty="0"/>
-              <a:t>(</a:t>
-            </a:r>
-            <a:r>
-              <a:rPr lang="sk-SK" b="1" dirty="0" err="1"/>
-              <a:t>fileName</a:t>
+              <a:t>š</a:t>
+            </a:r>
+            <a:r>
+              <a:rPr lang="en-US" b="1" dirty="0" err="1" smtClean="0"/>
+              <a:t>etko</a:t>
+            </a:r>
+            <a:r>
+              <a:rPr lang="en-US" b="1" dirty="0" smtClean="0"/>
+              <a:t> </a:t>
             </a:r>
             <a:r>
               <a:rPr lang="sk-SK" b="1" dirty="0"/>
-              <a:t>, </a:t>
-            </a:r>
-            <a:r>
-              <a:rPr lang="sk-SK" b="1" dirty="0" err="1"/>
-              <a:t>data</a:t>
-            </a:r>
-            <a:r>
-              <a:rPr lang="sk-SK" b="1" dirty="0"/>
-              <a:t>[, </a:t>
-            </a:r>
-            <a:r>
-              <a:rPr lang="sk-SK" b="1" dirty="0" err="1"/>
-              <a:t>options</a:t>
-            </a:r>
-            <a:r>
-              <a:rPr lang="sk-SK" b="1" dirty="0"/>
-              <a:t>], </a:t>
-            </a:r>
-            <a:r>
-              <a:rPr lang="sk-SK" b="1" dirty="0" err="1"/>
-              <a:t>callback</a:t>
-            </a:r>
-            <a:r>
-              <a:rPr lang="sk-SK" b="1" dirty="0"/>
-              <a:t>)</a:t>
-            </a:r>
-            <a:br>
-              <a:rPr lang="sk-SK" b="1" dirty="0"/>
-            </a:br>
-            <a:endParaRPr lang="sk-SK" dirty="0"/>
-          </a:p>
-        </p:txBody>
-      </p:sp>
-      <p:sp>
-        <p:nvSpPr>
-          <p:cNvPr id="3" name="Content Placeholder 2">
-            <a:extLst>
-              <a:ext uri="{FF2B5EF4-FFF2-40B4-BE49-F238E27FC236}">
-                <a16:creationId xmlns:a16="http://schemas.microsoft.com/office/drawing/2014/main" id="{DC9021C6-9161-8847-B2D5-15951F333793}"/>
-              </a:ext>
-            </a:extLst>
-          </p:cNvPr>
-          <p:cNvSpPr>
-            <a:spLocks noGrp="1"/>
-          </p:cNvSpPr>
-          <p:nvPr>
-            <p:ph idx="1"/>
-          </p:nvPr>
-        </p:nvSpPr>
-        <p:spPr>
-          <a:xfrm>
-            <a:off x="838200" y="1825625"/>
-            <a:ext cx="10515600" cy="4351338"/>
-          </a:xfrm>
-        </p:spPr>
-        <p:txBody>
-          <a:bodyPr/>
-          <a:lstStyle/>
-          <a:p>
-            <a:pPr marL="0" indent="0">
-              <a:buNone/>
-            </a:pPr>
-            <a:r>
-              <a:rPr lang="sk-SK" dirty="0"/>
-              <a:t>skombinujte do jedinej </a:t>
-            </a:r>
-            <a:r>
-              <a:rPr lang="sk-SK" dirty="0" err="1"/>
-              <a:t>fukcie</a:t>
-            </a:r>
-            <a:endParaRPr lang="sk-SK" dirty="0"/>
-          </a:p>
-          <a:p>
-            <a:r>
-              <a:rPr lang="sk-SK" dirty="0" err="1"/>
-              <a:t>fs.mkdtemp</a:t>
-            </a:r>
-            <a:r>
-              <a:rPr lang="sk-SK" dirty="0"/>
-              <a:t>(</a:t>
-            </a:r>
-            <a:r>
-              <a:rPr lang="sk-SK" dirty="0" err="1"/>
-              <a:t>prefix,callback</a:t>
-            </a:r>
-            <a:r>
-              <a:rPr lang="sk-SK" dirty="0"/>
-              <a:t>)</a:t>
-            </a:r>
-          </a:p>
-          <a:p>
-            <a:r>
-              <a:rPr lang="sk-SK" dirty="0" err="1"/>
-              <a:t>writeFile</a:t>
-            </a:r>
-            <a:r>
-              <a:rPr lang="sk-SK" dirty="0"/>
-              <a:t>(</a:t>
-            </a:r>
-            <a:r>
-              <a:rPr lang="sk-SK" dirty="0" err="1"/>
-              <a:t>fileName</a:t>
-            </a:r>
-            <a:r>
-              <a:rPr lang="sk-SK" dirty="0"/>
-              <a:t>, </a:t>
-            </a:r>
-            <a:r>
-              <a:rPr lang="sk-SK" dirty="0" err="1"/>
-              <a:t>data</a:t>
-            </a:r>
-            <a:r>
-              <a:rPr lang="sk-SK" dirty="0"/>
-              <a:t>[, </a:t>
-            </a:r>
-            <a:r>
-              <a:rPr lang="sk-SK" dirty="0" err="1"/>
-              <a:t>options</a:t>
-            </a:r>
-            <a:r>
-              <a:rPr lang="sk-SK" dirty="0"/>
-              <a:t>], </a:t>
-            </a:r>
-            <a:r>
-              <a:rPr lang="sk-SK" dirty="0" err="1"/>
-              <a:t>callback</a:t>
-            </a:r>
-            <a:r>
-              <a:rPr lang="sk-SK" dirty="0"/>
-              <a:t>)</a:t>
-            </a:r>
-            <a:br>
-              <a:rPr lang="sk-SK" b="1" dirty="0"/>
-            </a:br>
-            <a:endParaRPr lang="sk-SK" b="1" dirty="0"/>
-          </a:p>
-          <a:p>
-            <a:pPr marL="0" indent="0">
-              <a:buNone/>
-            </a:pPr>
-            <a:r>
-              <a:rPr lang="sk-SK" dirty="0"/>
-              <a:t>pomocou </a:t>
-            </a:r>
-            <a:r>
-              <a:rPr lang="sk-SK" dirty="0" err="1"/>
-              <a:t>async</a:t>
-            </a:r>
-            <a:r>
-              <a:rPr lang="sk-SK" dirty="0"/>
-              <a:t> modulu, </a:t>
-            </a:r>
-            <a:r>
-              <a:rPr lang="sk-SK" b="1" dirty="0"/>
-              <a:t>alebo</a:t>
-            </a:r>
-            <a:r>
-              <a:rPr lang="sk-SK" dirty="0"/>
-              <a:t> manuálne</a:t>
-            </a:r>
-          </a:p>
-          <a:p>
-            <a:pPr marL="0" indent="0">
-              <a:buNone/>
-            </a:pPr>
+              <a:t>o</a:t>
+            </a:r>
+            <a:r>
+              <a:rPr lang="sk-SK" b="1" dirty="0" smtClean="0"/>
+              <a:t>dovzdávame o týžďeň na cviku po jednotlivcoch</a:t>
+            </a:r>
             <a:endParaRPr lang="sk-SK" b="1" dirty="0"/>
           </a:p>
           <a:p>
@@ -4317,7 +4334,7 @@
     </p:spTree>
     <p:extLst>
       <p:ext uri="{BB962C8B-B14F-4D97-AF65-F5344CB8AC3E}">
-        <p14:creationId xmlns:p14="http://schemas.microsoft.com/office/powerpoint/2010/main" val="3489100534"/>
+        <p14:creationId xmlns:p14="http://schemas.microsoft.com/office/powerpoint/2010/main" val="4033705860"/>
       </p:ext>
     </p:extLst>
   </p:cSld>
@@ -4349,7 +4366,7 @@
           <p:cNvPr id="2" name="Title 1">
             <a:extLst>
               <a:ext uri="{FF2B5EF4-FFF2-40B4-BE49-F238E27FC236}">
-                <a16:creationId xmlns:a16="http://schemas.microsoft.com/office/drawing/2014/main" id="{C9690326-0510-5D43-AB4A-F45C81ECB5B8}"/>
+                <a16:creationId xmlns:a16="http://schemas.microsoft.com/office/drawing/2014/main" xmlns="" id="{39632F1B-EA00-B743-B4A9-32B85F830B0B}"/>
               </a:ext>
             </a:extLst>
           </p:cNvPr>
@@ -4362,13 +4379,54 @@
         </p:nvSpPr>
         <p:spPr/>
         <p:txBody>
-          <a:bodyPr/>
+          <a:bodyPr>
+            <a:normAutofit fontScale="90000"/>
+          </a:bodyPr>
           <a:lstStyle/>
           <a:p>
             <a:r>
               <a:rPr lang="sk-SK" dirty="0" err="1"/>
-              <a:t>saveSomewhere</a:t>
-            </a:r>
+              <a:t>writeTempFile</a:t>
+            </a:r>
+            <a:r>
+              <a:rPr lang="sk-SK" b="1" dirty="0"/>
+              <a:t>(</a:t>
+            </a:r>
+            <a:r>
+              <a:rPr lang="sk-SK" b="1" dirty="0" err="1"/>
+              <a:t>fileName</a:t>
+            </a:r>
+            <a:r>
+              <a:rPr lang="sk-SK" b="1" dirty="0"/>
+              <a:t>, </a:t>
+            </a:r>
+            <a:r>
+              <a:rPr lang="sk-SK" b="1" dirty="0" err="1"/>
+              <a:t>data</a:t>
+            </a:r>
+            <a:r>
+              <a:rPr lang="sk-SK" b="1" dirty="0"/>
+              <a:t>[, </a:t>
+            </a:r>
+            <a:r>
+              <a:rPr lang="sk-SK" b="1" dirty="0" err="1"/>
+              <a:t>options</a:t>
+            </a:r>
+            <a:r>
+              <a:rPr lang="sk-SK" b="1" dirty="0"/>
+              <a:t>], </a:t>
+            </a:r>
+            <a:r>
+              <a:rPr lang="sk-SK" b="1" dirty="0" err="1"/>
+              <a:t>callback</a:t>
+            </a:r>
+            <a:r>
+              <a:rPr lang="sk-SK" b="1" dirty="0"/>
+              <a:t>)</a:t>
+            </a:r>
+            <a:br>
+              <a:rPr lang="sk-SK" b="1" dirty="0"/>
+            </a:br>
             <a:endParaRPr lang="sk-SK" dirty="0"/>
           </a:p>
         </p:txBody>
@@ -4378,7 +4436,7 @@
           <p:cNvPr id="3" name="Content Placeholder 2">
             <a:extLst>
               <a:ext uri="{FF2B5EF4-FFF2-40B4-BE49-F238E27FC236}">
-                <a16:creationId xmlns:a16="http://schemas.microsoft.com/office/drawing/2014/main" id="{2687D626-DFE1-8942-BC06-51BA163B7351}"/>
+                <a16:creationId xmlns:a16="http://schemas.microsoft.com/office/drawing/2014/main" xmlns="" id="{DC9021C6-9161-8847-B2D5-15951F333793}"/>
               </a:ext>
             </a:extLst>
           </p:cNvPr>
@@ -4392,36 +4450,229 @@
         <p:spPr>
           <a:xfrm>
             <a:off x="838200" y="1825625"/>
-            <a:ext cx="6726382" cy="4351338"/>
+            <a:ext cx="10515600" cy="4351338"/>
           </a:xfrm>
         </p:spPr>
         <p:txBody>
-          <a:bodyPr/>
-          <a:lstStyle/>
-          <a:p>
-            <a:r>
-              <a:rPr lang="sk-SK" dirty="0"/>
-              <a:t>majme N (napr. 5) ciest na disku </a:t>
-            </a:r>
-          </a:p>
-          <a:p>
-            <a:r>
-              <a:rPr lang="sk-SK" dirty="0"/>
-              <a:t>nie všetky musia existovať</a:t>
-            </a:r>
-          </a:p>
-          <a:p>
-            <a:r>
-              <a:rPr lang="sk-SK" dirty="0"/>
-              <a:t>funkcia uloží súbor s dátami do prvej kam sa jej to podarí</a:t>
-            </a:r>
+          <a:bodyPr>
+            <a:normAutofit fontScale="92500" lnSpcReduction="20000"/>
+          </a:bodyPr>
+          <a:lstStyle/>
+          <a:p>
+            <a:pPr marL="0" indent="0">
+              <a:buNone/>
+            </a:pPr>
+            <a:r>
+              <a:rPr lang="sk-SK" dirty="0"/>
+              <a:t>skombinujte do jedinej </a:t>
+            </a:r>
+            <a:r>
+              <a:rPr lang="sk-SK" dirty="0" err="1"/>
+              <a:t>fukcie</a:t>
+            </a:r>
+            <a:endParaRPr lang="sk-SK" dirty="0"/>
+          </a:p>
+          <a:p>
+            <a:r>
+              <a:rPr lang="sk-SK" dirty="0"/>
+              <a:t>fs.mkdtemp(prefix,callback</a:t>
+            </a:r>
+            <a:r>
+              <a:rPr lang="sk-SK" dirty="0" smtClean="0"/>
+              <a:t>)</a:t>
+            </a:r>
+            <a:r>
+              <a:rPr lang="en-US" dirty="0" smtClean="0"/>
+              <a:t> </a:t>
+            </a:r>
+            <a:r>
+              <a:rPr lang="en-US" dirty="0" err="1" smtClean="0"/>
+              <a:t>alebo</a:t>
+            </a:r>
+            <a:r>
+              <a:rPr lang="en-US" dirty="0" smtClean="0"/>
+              <a:t> </a:t>
+            </a:r>
+            <a:r>
+              <a:rPr lang="en-US" dirty="0" err="1" smtClean="0"/>
+              <a:t>fs.mkdir</a:t>
+            </a:r>
+            <a:endParaRPr lang="sk-SK" dirty="0"/>
+          </a:p>
+          <a:p>
+            <a:r>
+              <a:rPr lang="sk-SK" dirty="0" err="1"/>
+              <a:t>writeFile</a:t>
+            </a:r>
+            <a:r>
+              <a:rPr lang="sk-SK" dirty="0"/>
+              <a:t>(</a:t>
+            </a:r>
+            <a:r>
+              <a:rPr lang="sk-SK" dirty="0" err="1"/>
+              <a:t>fileName</a:t>
+            </a:r>
+            <a:r>
+              <a:rPr lang="sk-SK" dirty="0"/>
+              <a:t>, </a:t>
+            </a:r>
+            <a:r>
+              <a:rPr lang="sk-SK" dirty="0" err="1"/>
+              <a:t>data</a:t>
+            </a:r>
+            <a:r>
+              <a:rPr lang="sk-SK" dirty="0"/>
+              <a:t>[, </a:t>
+            </a:r>
+            <a:r>
+              <a:rPr lang="sk-SK" dirty="0" err="1"/>
+              <a:t>options</a:t>
+            </a:r>
+            <a:r>
+              <a:rPr lang="sk-SK" dirty="0"/>
+              <a:t>], </a:t>
+            </a:r>
+            <a:r>
+              <a:rPr lang="sk-SK" dirty="0" err="1"/>
+              <a:t>callback</a:t>
+            </a:r>
+            <a:r>
+              <a:rPr lang="sk-SK" dirty="0"/>
+              <a:t>)</a:t>
+            </a:r>
+            <a:r>
+              <a:rPr lang="sk-SK" b="1" dirty="0"/>
+              <a:t/>
+            </a:r>
+            <a:br>
+              <a:rPr lang="sk-SK" b="1" dirty="0"/>
+            </a:br>
+            <a:endParaRPr lang="sk-SK" b="1" dirty="0"/>
+          </a:p>
+          <a:p>
+            <a:pPr marL="0" indent="0">
+              <a:buNone/>
+            </a:pPr>
+            <a:r>
+              <a:rPr lang="sk-SK" dirty="0"/>
+              <a:t>pomocou </a:t>
+            </a:r>
+            <a:r>
+              <a:rPr lang="sk-SK" dirty="0" err="1"/>
+              <a:t>async</a:t>
+            </a:r>
+            <a:r>
+              <a:rPr lang="sk-SK" dirty="0"/>
+              <a:t> modulu, </a:t>
+            </a:r>
+            <a:r>
+              <a:rPr lang="sk-SK" b="1" dirty="0"/>
+              <a:t>alebo</a:t>
+            </a:r>
+            <a:r>
+              <a:rPr lang="sk-SK" dirty="0"/>
+              <a:t> manuálne</a:t>
+            </a:r>
+          </a:p>
+          <a:p>
+            <a:pPr marL="0" indent="0">
+              <a:buNone/>
+            </a:pPr>
+            <a:endParaRPr lang="en-US" b="1" dirty="0" smtClean="0"/>
+          </a:p>
+          <a:p>
+            <a:pPr marL="0" indent="0">
+              <a:buNone/>
+            </a:pPr>
+            <a:r>
+              <a:rPr lang="en-US" b="1" dirty="0" smtClean="0"/>
+              <a:t>hint: see samples in </a:t>
+            </a:r>
+            <a:r>
+              <a:rPr lang="en-US" b="1" dirty="0" smtClean="0">
+                <a:hlinkClick r:id="rId2"/>
+              </a:rPr>
+              <a:t>https</a:t>
+            </a:r>
+            <a:r>
+              <a:rPr lang="en-US" b="1" dirty="0">
+                <a:hlinkClick r:id="rId2"/>
+              </a:rPr>
+              <a:t>://</a:t>
+            </a:r>
+            <a:r>
+              <a:rPr lang="en-US" b="1" dirty="0" smtClean="0">
+                <a:hlinkClick r:id="rId2"/>
+              </a:rPr>
+              <a:t>nodejs.org/api/fs.html</a:t>
+            </a:r>
+            <a:endParaRPr lang="en-US" b="1" dirty="0" smtClean="0"/>
+          </a:p>
+          <a:p>
+            <a:pPr marL="0" indent="0">
+              <a:buNone/>
+            </a:pPr>
+            <a:r>
+              <a:rPr lang="en-US" b="1" dirty="0" err="1" smtClean="0"/>
+              <a:t>alebo</a:t>
+            </a:r>
+            <a:r>
+              <a:rPr lang="en-US" b="1" dirty="0" smtClean="0"/>
+              <a:t> </a:t>
+            </a:r>
+            <a:r>
+              <a:rPr lang="en-US" b="1" dirty="0" err="1" smtClean="0"/>
+              <a:t>toto</a:t>
+            </a:r>
+            <a:r>
+              <a:rPr lang="en-US" b="1" dirty="0" smtClean="0"/>
+              <a:t>:</a:t>
+            </a:r>
+          </a:p>
+          <a:p>
+            <a:pPr marL="0" indent="0">
+              <a:buNone/>
+            </a:pPr>
+            <a:r>
+              <a:rPr lang="sk-SK" dirty="0">
+                <a:latin typeface="Courier New" panose="02070309020205020404" pitchFamily="49" charset="0"/>
+                <a:cs typeface="Courier New" panose="02070309020205020404" pitchFamily="49" charset="0"/>
+              </a:rPr>
+              <a:t>let tempDir = path.join(os.tmpdir(), `${process.pid}-`);</a:t>
+            </a:r>
+          </a:p>
+          <a:p>
+            <a:pPr marL="0" indent="0">
+              <a:buNone/>
+            </a:pPr>
+            <a:r>
+              <a:rPr lang="sk-SK" dirty="0" smtClean="0">
+                <a:latin typeface="Courier New" panose="02070309020205020404" pitchFamily="49" charset="0"/>
+                <a:cs typeface="Courier New" panose="02070309020205020404" pitchFamily="49" charset="0"/>
+              </a:rPr>
+              <a:t>fs.mkdtemp(tempDir</a:t>
+            </a:r>
+            <a:r>
+              <a:rPr lang="sk-SK" dirty="0">
+                <a:latin typeface="Courier New" panose="02070309020205020404" pitchFamily="49" charset="0"/>
+                <a:cs typeface="Courier New" panose="02070309020205020404" pitchFamily="49" charset="0"/>
+              </a:rPr>
+              <a:t>, (err, folder) =&gt; {</a:t>
+            </a:r>
+            <a:endParaRPr lang="sk-SK" dirty="0">
+              <a:latin typeface="Courier New" panose="02070309020205020404" pitchFamily="49" charset="0"/>
+              <a:cs typeface="Courier New" panose="02070309020205020404" pitchFamily="49" charset="0"/>
+            </a:endParaRPr>
+          </a:p>
+          <a:p>
+            <a:endParaRPr lang="sk-SK" dirty="0"/>
           </a:p>
         </p:txBody>
       </p:sp>
     </p:spTree>
     <p:extLst>
       <p:ext uri="{BB962C8B-B14F-4D97-AF65-F5344CB8AC3E}">
-        <p14:creationId xmlns:p14="http://schemas.microsoft.com/office/powerpoint/2010/main" val="3591058936"/>
+        <p14:creationId xmlns:p14="http://schemas.microsoft.com/office/powerpoint/2010/main" val="3489100534"/>
       </p:ext>
     </p:extLst>
   </p:cSld>
@@ -4453,7 +4704,7 @@
           <p:cNvPr id="2" name="Title 1">
             <a:extLst>
               <a:ext uri="{FF2B5EF4-FFF2-40B4-BE49-F238E27FC236}">
-                <a16:creationId xmlns:a16="http://schemas.microsoft.com/office/drawing/2014/main" id="{B68E8BF5-D26B-D546-9E35-6C025051256E}"/>
+                <a16:creationId xmlns:a16="http://schemas.microsoft.com/office/drawing/2014/main" xmlns="" id="{C9690326-0510-5D43-AB4A-F45C81ECB5B8}"/>
               </a:ext>
             </a:extLst>
           </p:cNvPr>
@@ -4470,91 +4721,225 @@
           <a:lstStyle/>
           <a:p>
             <a:r>
-              <a:rPr lang="sk-SK" dirty="0" err="1"/>
-              <a:t>findInFiles</a:t>
-            </a:r>
-            <a:r>
-              <a:rPr lang="sk-SK" dirty="0"/>
-              <a:t> - </a:t>
-            </a:r>
-            <a:r>
-              <a:rPr lang="sk-SK" dirty="0" err="1"/>
-              <a:t>parallel</a:t>
-            </a:r>
-            <a:r>
-              <a:rPr lang="sk-SK" dirty="0"/>
-              <a:t> and </a:t>
-            </a:r>
-            <a:r>
-              <a:rPr lang="sk-SK" dirty="0" err="1"/>
-              <a:t>series</a:t>
-            </a:r>
-            <a:r>
-              <a:rPr lang="sk-SK" dirty="0"/>
-              <a:t> – </a:t>
-            </a:r>
-            <a:r>
-              <a:rPr lang="sk-SK" dirty="0" err="1"/>
-              <a:t>file</a:t>
-            </a:r>
-            <a:r>
-              <a:rPr lang="sk-SK" dirty="0"/>
+              <a:rPr lang="sk-SK" dirty="0" smtClean="0"/>
+              <a:t>saveSomewhere</a:t>
+            </a:r>
+            <a:r>
+              <a:rPr lang="en-US" dirty="0" smtClean="0"/>
+              <a:t>([paths],</a:t>
+            </a:r>
+            <a:r>
+              <a:rPr lang="en-US" dirty="0" err="1" smtClean="0"/>
+              <a:t>data,cb</a:t>
+            </a:r>
+            <a:r>
+              <a:rPr lang="en-US" dirty="0" smtClean="0"/>
+              <a:t>)</a:t>
+            </a:r>
+            <a:endParaRPr lang="sk-SK" dirty="0"/>
+          </a:p>
+        </p:txBody>
+      </p:sp>
+      <p:sp>
+        <p:nvSpPr>
+          <p:cNvPr id="3" name="Content Placeholder 2">
+            <a:extLst>
+              <a:ext uri="{FF2B5EF4-FFF2-40B4-BE49-F238E27FC236}">
+                <a16:creationId xmlns:a16="http://schemas.microsoft.com/office/drawing/2014/main" xmlns="" id="{2687D626-DFE1-8942-BC06-51BA163B7351}"/>
+              </a:ext>
+            </a:extLst>
+          </p:cNvPr>
+          <p:cNvSpPr>
+            <a:spLocks noGrp="1"/>
+          </p:cNvSpPr>
+          <p:nvPr>
+            <p:ph idx="1"/>
+          </p:nvPr>
+        </p:nvSpPr>
+        <p:spPr>
+          <a:xfrm>
+            <a:off x="838200" y="1825625"/>
+            <a:ext cx="6726382" cy="4351338"/>
+          </a:xfrm>
+        </p:spPr>
+        <p:txBody>
+          <a:bodyPr>
+            <a:normAutofit fontScale="85000" lnSpcReduction="20000"/>
+          </a:bodyPr>
+          <a:lstStyle/>
+          <a:p>
+            <a:r>
+              <a:rPr lang="sk-SK" dirty="0"/>
+              <a:t>majme N (napr. 5) ciest na disku </a:t>
+            </a:r>
+          </a:p>
+          <a:p>
+            <a:r>
+              <a:rPr lang="sk-SK" dirty="0"/>
+              <a:t>nie všetky musia existovať</a:t>
+            </a:r>
+          </a:p>
+          <a:p>
+            <a:r>
+              <a:rPr lang="sk-SK" dirty="0"/>
+              <a:t>funkcia uloží </a:t>
+            </a:r>
+            <a:r>
+              <a:rPr lang="en-US" dirty="0" smtClean="0"/>
+              <a:t>utf8 text data </a:t>
+            </a:r>
+            <a:r>
+              <a:rPr lang="sk-SK" dirty="0" smtClean="0"/>
+              <a:t>do </a:t>
+            </a:r>
+            <a:r>
+              <a:rPr lang="sk-SK" dirty="0"/>
+              <a:t>prvej kam sa jej to </a:t>
+            </a:r>
+            <a:r>
+              <a:rPr lang="sk-SK" dirty="0" smtClean="0"/>
+              <a:t>podarí</a:t>
+            </a:r>
+            <a:endParaRPr lang="en-US" dirty="0" smtClean="0"/>
+          </a:p>
+          <a:p>
+            <a:r>
+              <a:rPr lang="en-US" dirty="0" err="1" smtClean="0"/>
+              <a:t>vrati</a:t>
+            </a:r>
+            <a:r>
+              <a:rPr lang="en-US" dirty="0" smtClean="0"/>
               <a:t> </a:t>
             </a:r>
             <a:r>
-              <a:rPr lang="sk-SK" dirty="0" err="1"/>
-              <a:t>system</a:t>
+              <a:rPr lang="en-US" dirty="0" err="1" smtClean="0"/>
+              <a:t>cestu</a:t>
+            </a:r>
+            <a:r>
+              <a:rPr lang="en-US" dirty="0" smtClean="0"/>
+              <a:t> k </a:t>
+            </a:r>
+            <a:r>
+              <a:rPr lang="en-US" dirty="0" err="1" smtClean="0"/>
+              <a:t>ulozenemu</a:t>
+            </a:r>
+            <a:r>
+              <a:rPr lang="en-US" dirty="0" smtClean="0"/>
+              <a:t> </a:t>
+            </a:r>
+            <a:r>
+              <a:rPr lang="en-US" dirty="0" err="1" smtClean="0"/>
+              <a:t>soboru</a:t>
+            </a:r>
+            <a:endParaRPr lang="en-US" dirty="0" smtClean="0"/>
+          </a:p>
+          <a:p>
+            <a:endParaRPr lang="en-US" dirty="0" smtClean="0"/>
+          </a:p>
+          <a:p>
+            <a:endParaRPr lang="en-US" dirty="0"/>
+          </a:p>
+          <a:p>
+            <a:r>
+              <a:rPr lang="en-US" dirty="0" smtClean="0"/>
+              <a:t>series vs. parallel ?</a:t>
+            </a:r>
+          </a:p>
+          <a:p>
+            <a:r>
+              <a:rPr lang="en-US" dirty="0" err="1" smtClean="0"/>
+              <a:t>ako</a:t>
+            </a:r>
+            <a:r>
+              <a:rPr lang="en-US" dirty="0" smtClean="0"/>
+              <a:t> </a:t>
+            </a:r>
+            <a:r>
+              <a:rPr lang="en-US" dirty="0" err="1" smtClean="0"/>
+              <a:t>skonvertivat</a:t>
+            </a:r>
+            <a:r>
+              <a:rPr lang="en-US" dirty="0" smtClean="0"/>
+              <a:t> [] </a:t>
+            </a:r>
+            <a:r>
+              <a:rPr lang="en-US" dirty="0" err="1" smtClean="0"/>
+              <a:t>stringv</a:t>
+            </a:r>
+            <a:r>
+              <a:rPr lang="en-US" dirty="0" smtClean="0"/>
+              <a:t> </a:t>
+            </a:r>
+            <a:r>
+              <a:rPr lang="en-US" dirty="0" err="1" smtClean="0"/>
+              <a:t>na</a:t>
+            </a:r>
+            <a:r>
+              <a:rPr lang="en-US" dirty="0" smtClean="0"/>
+              <a:t> array </a:t>
+            </a:r>
+            <a:r>
+              <a:rPr lang="en-US" dirty="0" err="1" smtClean="0"/>
+              <a:t>taskov</a:t>
+            </a:r>
+            <a:r>
+              <a:rPr lang="en-US" dirty="0" smtClean="0"/>
+              <a:t> ? (</a:t>
+            </a:r>
+            <a:r>
+              <a:rPr lang="en-US" dirty="0" err="1" smtClean="0"/>
+              <a:t>async</a:t>
+            </a:r>
+            <a:r>
+              <a:rPr lang="en-US" dirty="0" smtClean="0"/>
+              <a:t> </a:t>
+            </a:r>
+            <a:r>
+              <a:rPr lang="en-US" dirty="0" err="1" smtClean="0"/>
+              <a:t>funkcii</a:t>
+            </a:r>
+            <a:r>
+              <a:rPr lang="en-US" dirty="0" smtClean="0"/>
+              <a:t>)</a:t>
+            </a:r>
+          </a:p>
+          <a:p>
+            <a:r>
+              <a:rPr lang="en-US" dirty="0" err="1" smtClean="0"/>
+              <a:t>nepouzivat</a:t>
+            </a:r>
+            <a:r>
+              <a:rPr lang="en-US" dirty="0" smtClean="0"/>
+              <a:t> check an exists() ale </a:t>
+            </a:r>
+            <a:r>
+              <a:rPr lang="en-US" dirty="0" err="1" smtClean="0"/>
+              <a:t>rovno</a:t>
+            </a:r>
+            <a:r>
+              <a:rPr lang="en-US" dirty="0" smtClean="0"/>
+              <a:t> </a:t>
+            </a:r>
+            <a:r>
+              <a:rPr lang="en-US" dirty="0" err="1" smtClean="0"/>
+              <a:t>skusit</a:t>
+            </a:r>
+            <a:r>
+              <a:rPr lang="en-US" dirty="0" smtClean="0"/>
+              <a:t> </a:t>
+            </a:r>
+            <a:r>
+              <a:rPr lang="en-US" dirty="0" err="1" smtClean="0"/>
+              <a:t>zapisovat</a:t>
             </a:r>
             <a:endParaRPr lang="sk-SK" dirty="0"/>
-          </a:p>
-        </p:txBody>
-      </p:sp>
-      <p:sp>
-        <p:nvSpPr>
-          <p:cNvPr id="3" name="Content Placeholder 2">
-            <a:extLst>
-              <a:ext uri="{FF2B5EF4-FFF2-40B4-BE49-F238E27FC236}">
-                <a16:creationId xmlns:a16="http://schemas.microsoft.com/office/drawing/2014/main" id="{CEAEC1F7-FF0A-9A40-A1E7-BEEE1F703189}"/>
-              </a:ext>
-            </a:extLst>
-          </p:cNvPr>
-          <p:cNvSpPr>
-            <a:spLocks noGrp="1"/>
-          </p:cNvSpPr>
-          <p:nvPr>
-            <p:ph idx="1"/>
-          </p:nvPr>
-        </p:nvSpPr>
-        <p:spPr/>
-        <p:txBody>
-          <a:bodyPr/>
-          <a:lstStyle/>
-          <a:p>
-            <a:r>
-              <a:rPr lang="sk-SK" dirty="0"/>
-              <a:t>v zozname adresárov pohľadajte súbor (nerekurzívne) s daným menom a v ňom pohľadajte reťazec, </a:t>
-            </a:r>
-          </a:p>
-          <a:p>
-            <a:pPr lvl="1"/>
-            <a:r>
-              <a:rPr lang="sk-SK" dirty="0"/>
-              <a:t>vypíšte prvý nájdený súbor</a:t>
-            </a:r>
-          </a:p>
-          <a:p>
-            <a:pPr lvl="1"/>
-            <a:r>
-              <a:rPr lang="sk-SK" dirty="0"/>
-              <a:t>vypíšte všetky nájdené súbory</a:t>
-            </a:r>
           </a:p>
         </p:txBody>
       </p:sp>
     </p:spTree>
     <p:extLst>
       <p:ext uri="{BB962C8B-B14F-4D97-AF65-F5344CB8AC3E}">
-        <p14:creationId xmlns:p14="http://schemas.microsoft.com/office/powerpoint/2010/main" val="3182413367"/>
+        <p14:creationId xmlns:p14="http://schemas.microsoft.com/office/powerpoint/2010/main" val="3591058936"/>
       </p:ext>
     </p:extLst>
   </p:cSld>
@@ -4586,7 +4971,7 @@
           <p:cNvPr id="2" name="Title 1">
             <a:extLst>
               <a:ext uri="{FF2B5EF4-FFF2-40B4-BE49-F238E27FC236}">
-                <a16:creationId xmlns:a16="http://schemas.microsoft.com/office/drawing/2014/main" id="{C78DF07E-B06A-6943-BFCF-1C4E5AC44A2B}"/>
+                <a16:creationId xmlns:a16="http://schemas.microsoft.com/office/drawing/2014/main" xmlns="" id="{B68E8BF5-D26B-D546-9E35-6C025051256E}"/>
               </a:ext>
             </a:extLst>
           </p:cNvPr>
@@ -4604,7 +4989,39 @@
           <a:p>
             <a:r>
               <a:rPr lang="sk-SK" dirty="0" err="1"/>
-              <a:t>sonar-search</a:t>
+              <a:t>findInFiles</a:t>
+            </a:r>
+            <a:r>
+              <a:rPr lang="sk-SK" dirty="0"/>
+              <a:t> - </a:t>
+            </a:r>
+            <a:r>
+              <a:rPr lang="sk-SK" dirty="0" err="1"/>
+              <a:t>parallel</a:t>
+            </a:r>
+            <a:r>
+              <a:rPr lang="sk-SK" dirty="0"/>
+              <a:t> and </a:t>
+            </a:r>
+            <a:r>
+              <a:rPr lang="sk-SK" dirty="0" err="1"/>
+              <a:t>series</a:t>
+            </a:r>
+            <a:r>
+              <a:rPr lang="sk-SK" dirty="0"/>
+              <a:t> – </a:t>
+            </a:r>
+            <a:r>
+              <a:rPr lang="sk-SK" dirty="0" err="1"/>
+              <a:t>file</a:t>
+            </a:r>
+            <a:r>
+              <a:rPr lang="sk-SK" dirty="0"/>
+              <a:t> </a:t>
+            </a:r>
+            <a:r>
+              <a:rPr lang="sk-SK" dirty="0" err="1"/>
+              <a:t>system</a:t>
             </a:r>
             <a:endParaRPr lang="sk-SK" dirty="0"/>
           </a:p>
@@ -4615,7 +5032,7 @@
           <p:cNvPr id="3" name="Content Placeholder 2">
             <a:extLst>
               <a:ext uri="{FF2B5EF4-FFF2-40B4-BE49-F238E27FC236}">
-                <a16:creationId xmlns:a16="http://schemas.microsoft.com/office/drawing/2014/main" id="{46F98F5E-E92C-3D4A-ADC3-50F2C4A8F4DA}"/>
+                <a16:creationId xmlns:a16="http://schemas.microsoft.com/office/drawing/2014/main" xmlns="" id="{CEAEC1F7-FF0A-9A40-A1E7-BEEE1F703189}"/>
               </a:ext>
             </a:extLst>
           </p:cNvPr>
@@ -4633,126 +5050,29 @@
           <a:p>
             <a:r>
               <a:rPr lang="sk-SK" dirty="0"/>
-              <a:t>Prepíšte </a:t>
-            </a:r>
-            <a:r>
-              <a:rPr lang="sk-SK" dirty="0" err="1"/>
-              <a:t>sonar-search</a:t>
-            </a:r>
-            <a:r>
-              <a:rPr lang="sk-SK" dirty="0"/>
-              <a:t> z </a:t>
-            </a:r>
-            <a:r>
-              <a:rPr lang="sk-SK" dirty="0" err="1"/>
-              <a:t>doWhilst</a:t>
-            </a:r>
-            <a:r>
-              <a:rPr lang="sk-SK" dirty="0"/>
-              <a:t> sekvenčného spracovania na </a:t>
-            </a:r>
-          </a:p>
-          <a:p>
-            <a:r>
-              <a:rPr lang="sk-SK" dirty="0"/>
-              <a:t>jeden </a:t>
-            </a:r>
-            <a:r>
-              <a:rPr lang="sk-SK" dirty="0" err="1"/>
-              <a:t>call</a:t>
-            </a:r>
-            <a:r>
-              <a:rPr lang="sk-SK" dirty="0"/>
-              <a:t> + N paralelných </a:t>
-            </a:r>
-            <a:r>
-              <a:rPr lang="sk-SK" dirty="0" err="1"/>
-              <a:t>callov</a:t>
-            </a:r>
-            <a:r>
-              <a:rPr lang="sk-SK" dirty="0"/>
-              <a:t> z limitom 4</a:t>
-            </a:r>
-          </a:p>
-          <a:p>
-            <a:endParaRPr lang="sk-SK" dirty="0"/>
-          </a:p>
-          <a:p>
-            <a:r>
-              <a:rPr lang="sk-SK" dirty="0"/>
-              <a:t>porovnajte trvanie </a:t>
-            </a:r>
-            <a:r>
-              <a:rPr lang="sk-SK" dirty="0" err="1"/>
-              <a:t>scriptu</a:t>
-            </a:r>
-            <a:r>
-              <a:rPr lang="sk-SK" dirty="0"/>
-              <a:t> (</a:t>
-            </a:r>
-            <a:r>
-              <a:rPr lang="sk-SK" dirty="0" err="1"/>
-              <a:t>staci</a:t>
-            </a:r>
-            <a:r>
-              <a:rPr lang="sk-SK" dirty="0"/>
-              <a:t> </a:t>
-            </a:r>
-            <a:r>
-              <a:rPr lang="sk-SK" i="1" dirty="0" err="1"/>
-              <a:t>time</a:t>
-            </a:r>
-            <a:r>
-              <a:rPr lang="sk-SK" i="1" dirty="0"/>
-              <a:t> </a:t>
-            </a:r>
-            <a:r>
-              <a:rPr lang="sk-SK" i="1" dirty="0" err="1"/>
-              <a:t>node</a:t>
-            </a:r>
-            <a:r>
-              <a:rPr lang="sk-SK" i="1" dirty="0"/>
-              <a:t> ...</a:t>
-            </a:r>
-            <a:r>
-              <a:rPr lang="sk-SK" dirty="0"/>
-              <a:t>)</a:t>
-            </a:r>
-          </a:p>
-          <a:p>
-            <a:endParaRPr lang="sk-SK" dirty="0"/>
-          </a:p>
-          <a:p>
-            <a:r>
-              <a:rPr lang="sk-SK" dirty="0"/>
-              <a:t>na testovanie si môžete nastaviť </a:t>
-            </a:r>
-            <a:r>
-              <a:rPr lang="sk-SK" dirty="0" err="1"/>
-              <a:t>pageSize</a:t>
-            </a:r>
-            <a:r>
-              <a:rPr lang="sk-SK" dirty="0"/>
-              <a:t> na nejaký malý, </a:t>
-            </a:r>
-          </a:p>
-          <a:p>
-            <a:r>
-              <a:rPr lang="sk-SK" dirty="0"/>
-              <a:t>aby ste museli spraviť povedzme 20-30 http </a:t>
-            </a:r>
-            <a:r>
-              <a:rPr lang="sk-SK" dirty="0" err="1"/>
-              <a:t>requestov</a:t>
-            </a:r>
-            <a:endParaRPr lang="sk-SK" dirty="0"/>
+              <a:t>v zozname adresárov pohľadajte súbor (nerekurzívne) s daným menom a v ňom pohľadajte reťazec, </a:t>
+            </a:r>
+          </a:p>
+          <a:p>
+            <a:pPr lvl="1"/>
+            <a:r>
+              <a:rPr lang="sk-SK" dirty="0"/>
+              <a:t>vypíšte prvý nájdený súbor</a:t>
+            </a:r>
+          </a:p>
+          <a:p>
+            <a:pPr lvl="1"/>
+            <a:r>
+              <a:rPr lang="sk-SK" dirty="0"/>
+              <a:t>vypíšte všetky nájdené súbory</a:t>
+            </a:r>
           </a:p>
         </p:txBody>
       </p:sp>
     </p:spTree>
     <p:extLst>
       <p:ext uri="{BB962C8B-B14F-4D97-AF65-F5344CB8AC3E}">
-        <p14:creationId xmlns:p14="http://schemas.microsoft.com/office/powerpoint/2010/main" val="1853572848"/>
+        <p14:creationId xmlns:p14="http://schemas.microsoft.com/office/powerpoint/2010/main" val="3182413367"/>
       </p:ext>
     </p:extLst>
   </p:cSld>
@@ -4784,7 +5104,7 @@
           <p:cNvPr id="2" name="Title 1">
             <a:extLst>
               <a:ext uri="{FF2B5EF4-FFF2-40B4-BE49-F238E27FC236}">
-                <a16:creationId xmlns:a16="http://schemas.microsoft.com/office/drawing/2014/main" id="{3F1FDDB1-7486-9147-86E8-8FE616B009EF}"/>
+                <a16:creationId xmlns:a16="http://schemas.microsoft.com/office/drawing/2014/main" xmlns="" id="{C78DF07E-B06A-6943-BFCF-1C4E5AC44A2B}"/>
               </a:ext>
             </a:extLst>
           </p:cNvPr>
@@ -4801,12 +5121,210 @@
           <a:lstStyle/>
           <a:p>
             <a:r>
+              <a:rPr lang="sk-SK" dirty="0" smtClean="0"/>
+              <a:t>sonar-rules-cli.js</a:t>
+            </a:r>
+            <a:endParaRPr lang="sk-SK" dirty="0"/>
+          </a:p>
+        </p:txBody>
+      </p:sp>
+      <p:sp>
+        <p:nvSpPr>
+          <p:cNvPr id="3" name="Content Placeholder 2">
+            <a:extLst>
+              <a:ext uri="{FF2B5EF4-FFF2-40B4-BE49-F238E27FC236}">
+                <a16:creationId xmlns:a16="http://schemas.microsoft.com/office/drawing/2014/main" xmlns="" id="{46F98F5E-E92C-3D4A-ADC3-50F2C4A8F4DA}"/>
+              </a:ext>
+            </a:extLst>
+          </p:cNvPr>
+          <p:cNvSpPr>
+            <a:spLocks noGrp="1"/>
+          </p:cNvSpPr>
+          <p:nvPr>
+            <p:ph idx="1"/>
+          </p:nvPr>
+        </p:nvSpPr>
+        <p:spPr/>
+        <p:txBody>
+          <a:bodyPr/>
+          <a:lstStyle/>
+          <a:p>
+            <a:r>
+              <a:rPr lang="sk-SK" dirty="0"/>
+              <a:t>Prepíšte </a:t>
+            </a:r>
+            <a:r>
+              <a:rPr lang="sk-SK" dirty="0"/>
+              <a:t>sonar-rules-cli.js </a:t>
+            </a:r>
+            <a:r>
+              <a:rPr lang="sk-SK" dirty="0"/>
+              <a:t>z doWhilst </a:t>
+            </a:r>
+            <a:r>
+              <a:rPr lang="en-US" dirty="0" smtClean="0"/>
+              <a:t>a </a:t>
+            </a:r>
+            <a:r>
+              <a:rPr lang="sk-SK" dirty="0" smtClean="0"/>
+              <a:t>sekvenčného </a:t>
+            </a:r>
+            <a:r>
+              <a:rPr lang="sk-SK" dirty="0"/>
+              <a:t>spracovania na </a:t>
+            </a:r>
+          </a:p>
+          <a:p>
+            <a:r>
+              <a:rPr lang="sk-SK" dirty="0"/>
+              <a:t>jeden </a:t>
+            </a:r>
+            <a:r>
               <a:rPr lang="sk-SK" dirty="0" err="1"/>
-              <a:t>shop</a:t>
+              <a:t>call</a:t>
+            </a:r>
+            <a:r>
+              <a:rPr lang="sk-SK" dirty="0"/>
+              <a:t> + N paralelných </a:t>
+            </a:r>
+            <a:r>
+              <a:rPr lang="sk-SK" dirty="0" err="1"/>
+              <a:t>callov</a:t>
+            </a:r>
+            <a:r>
+              <a:rPr lang="sk-SK" dirty="0"/>
+              <a:t> z limitom 4</a:t>
+            </a:r>
+          </a:p>
+          <a:p>
+            <a:endParaRPr lang="sk-SK" dirty="0"/>
+          </a:p>
+          <a:p>
+            <a:r>
+              <a:rPr lang="sk-SK" dirty="0"/>
+              <a:t>porovnajte trvanie </a:t>
+            </a:r>
+            <a:r>
+              <a:rPr lang="sk-SK" dirty="0" err="1"/>
+              <a:t>scriptu</a:t>
+            </a:r>
+            <a:r>
+              <a:rPr lang="sk-SK" dirty="0"/>
+              <a:t> (</a:t>
+            </a:r>
+            <a:r>
+              <a:rPr lang="sk-SK" dirty="0" err="1"/>
+              <a:t>staci</a:t>
             </a:r>
             <a:r>
               <a:rPr lang="sk-SK" dirty="0"/>
               <a:t> </a:t>
+            </a:r>
+            <a:r>
+              <a:rPr lang="sk-SK" i="1" dirty="0" err="1"/>
+              <a:t>time</a:t>
+            </a:r>
+            <a:r>
+              <a:rPr lang="sk-SK" i="1" dirty="0"/>
+              <a:t> </a:t>
+            </a:r>
+            <a:r>
+              <a:rPr lang="sk-SK" i="1" dirty="0" err="1"/>
+              <a:t>node</a:t>
+            </a:r>
+            <a:r>
+              <a:rPr lang="sk-SK" i="1" dirty="0"/>
+              <a:t> ...</a:t>
+            </a:r>
+            <a:r>
+              <a:rPr lang="sk-SK" dirty="0"/>
+              <a:t>)</a:t>
+            </a:r>
+          </a:p>
+          <a:p>
+            <a:endParaRPr lang="sk-SK" dirty="0"/>
+          </a:p>
+          <a:p>
+            <a:r>
+              <a:rPr lang="sk-SK" dirty="0"/>
+              <a:t>na testovanie si môžete nastaviť </a:t>
+            </a:r>
+            <a:r>
+              <a:rPr lang="sk-SK" dirty="0" err="1"/>
+              <a:t>pageSize</a:t>
+            </a:r>
+            <a:r>
+              <a:rPr lang="sk-SK" dirty="0"/>
+              <a:t> na nejaký malý, </a:t>
+            </a:r>
+          </a:p>
+          <a:p>
+            <a:r>
+              <a:rPr lang="sk-SK" dirty="0"/>
+              <a:t>aby ste museli spraviť povedzme 20-30 http </a:t>
+            </a:r>
+            <a:r>
+              <a:rPr lang="sk-SK" dirty="0" err="1"/>
+              <a:t>requestov</a:t>
+            </a:r>
+            <a:endParaRPr lang="sk-SK" dirty="0"/>
+          </a:p>
+        </p:txBody>
+      </p:sp>
+    </p:spTree>
+    <p:extLst>
+      <p:ext uri="{BB962C8B-B14F-4D97-AF65-F5344CB8AC3E}">
+        <p14:creationId xmlns:p14="http://schemas.microsoft.com/office/powerpoint/2010/main" val="1853572848"/>
+      </p:ext>
+    </p:extLst>
+  </p:cSld>
+  <p:clrMapOvr>
+    <a:masterClrMapping/>
+  </p:clrMapOvr>
+</p:sld>
+</file>
+
+<file path=ppt/slides/slide8.xml><?xml version="1.0" encoding="utf-8"?>
+<p:sld xmlns:a="http://schemas.openxmlformats.org/drawingml/2006/main" xmlns:r="http://schemas.openxmlformats.org/officeDocument/2006/relationships" xmlns:p="http://schemas.openxmlformats.org/presentationml/2006/main">
+  <p:cSld>
+    <p:spTree>
+      <p:nvGrpSpPr>
+        <p:cNvPr id="1" name=""/>
+        <p:cNvGrpSpPr/>
+        <p:nvPr/>
+      </p:nvGrpSpPr>
+      <p:grpSpPr>
+        <a:xfrm>
+          <a:off x="0" y="0"/>
+          <a:ext cx="0" cy="0"/>
+          <a:chOff x="0" y="0"/>
+          <a:chExt cx="0" cy="0"/>
+        </a:xfrm>
+      </p:grpSpPr>
+      <p:sp>
+        <p:nvSpPr>
+          <p:cNvPr id="2" name="Title 1">
+            <a:extLst>
+              <a:ext uri="{FF2B5EF4-FFF2-40B4-BE49-F238E27FC236}">
+                <a16:creationId xmlns:a16="http://schemas.microsoft.com/office/drawing/2014/main" xmlns="" id="{3F1FDDB1-7486-9147-86E8-8FE616B009EF}"/>
+              </a:ext>
+            </a:extLst>
+          </p:cNvPr>
+          <p:cNvSpPr>
+            <a:spLocks noGrp="1"/>
+          </p:cNvSpPr>
+          <p:nvPr>
+            <p:ph type="title"/>
+          </p:nvPr>
+        </p:nvSpPr>
+        <p:spPr/>
+        <p:txBody>
+          <a:bodyPr/>
+          <a:lstStyle/>
+          <a:p>
+            <a:r>
+              <a:rPr lang="sk-SK" smtClean="0"/>
+              <a:t>Bonus: shop </a:t>
             </a:r>
             <a:r>
               <a:rPr lang="sk-SK" dirty="0" err="1"/>
@@ -4832,7 +5350,7 @@
           <p:cNvPr id="3" name="Content Placeholder 2">
             <a:extLst>
               <a:ext uri="{FF2B5EF4-FFF2-40B4-BE49-F238E27FC236}">
-                <a16:creationId xmlns:a16="http://schemas.microsoft.com/office/drawing/2014/main" id="{F1AEFDDB-F8AD-EB46-8D55-C1D8C4264074}"/>
+                <a16:creationId xmlns:a16="http://schemas.microsoft.com/office/drawing/2014/main" xmlns="" id="{F1AEFDDB-F8AD-EB46-8D55-C1D8C4264074}"/>
               </a:ext>
             </a:extLst>
           </p:cNvPr>
